--- a/20_設計/22_データベース設計/概念データモデル.pptx
+++ b/20_設計/22_データベース設計/概念データモデル.pptx
@@ -243,7 +243,7 @@
           <a:p>
             <a:fld id="{671059BB-3F16-4E26-85EA-CCCF91169BF5}" type="datetimeFigureOut">
               <a:rPr kumimoji="1" lang="ja-JP" altLang="en-US" smtClean="0"/>
-              <a:t>2023/5/15</a:t>
+              <a:t>2023/5/16</a:t>
             </a:fld>
             <a:endParaRPr kumimoji="1" lang="ja-JP" altLang="en-US"/>
           </a:p>
@@ -445,7 +445,7 @@
           <a:p>
             <a:fld id="{671059BB-3F16-4E26-85EA-CCCF91169BF5}" type="datetimeFigureOut">
               <a:rPr kumimoji="1" lang="ja-JP" altLang="en-US" smtClean="0"/>
-              <a:t>2023/5/15</a:t>
+              <a:t>2023/5/16</a:t>
             </a:fld>
             <a:endParaRPr kumimoji="1" lang="ja-JP" altLang="en-US"/>
           </a:p>
@@ -657,7 +657,7 @@
           <a:p>
             <a:fld id="{671059BB-3F16-4E26-85EA-CCCF91169BF5}" type="datetimeFigureOut">
               <a:rPr kumimoji="1" lang="ja-JP" altLang="en-US" smtClean="0"/>
-              <a:t>2023/5/15</a:t>
+              <a:t>2023/5/16</a:t>
             </a:fld>
             <a:endParaRPr kumimoji="1" lang="ja-JP" altLang="en-US"/>
           </a:p>
@@ -859,7 +859,7 @@
           <a:p>
             <a:fld id="{671059BB-3F16-4E26-85EA-CCCF91169BF5}" type="datetimeFigureOut">
               <a:rPr kumimoji="1" lang="ja-JP" altLang="en-US" smtClean="0"/>
-              <a:t>2023/5/15</a:t>
+              <a:t>2023/5/16</a:t>
             </a:fld>
             <a:endParaRPr kumimoji="1" lang="ja-JP" altLang="en-US"/>
           </a:p>
@@ -1103,7 +1103,7 @@
           <a:p>
             <a:fld id="{671059BB-3F16-4E26-85EA-CCCF91169BF5}" type="datetimeFigureOut">
               <a:rPr kumimoji="1" lang="ja-JP" altLang="en-US" smtClean="0"/>
-              <a:t>2023/5/15</a:t>
+              <a:t>2023/5/16</a:t>
             </a:fld>
             <a:endParaRPr kumimoji="1" lang="ja-JP" altLang="en-US"/>
           </a:p>
@@ -1399,7 +1399,7 @@
           <a:p>
             <a:fld id="{671059BB-3F16-4E26-85EA-CCCF91169BF5}" type="datetimeFigureOut">
               <a:rPr kumimoji="1" lang="ja-JP" altLang="en-US" smtClean="0"/>
-              <a:t>2023/5/15</a:t>
+              <a:t>2023/5/16</a:t>
             </a:fld>
             <a:endParaRPr kumimoji="1" lang="ja-JP" altLang="en-US"/>
           </a:p>
@@ -1830,7 +1830,7 @@
           <a:p>
             <a:fld id="{671059BB-3F16-4E26-85EA-CCCF91169BF5}" type="datetimeFigureOut">
               <a:rPr kumimoji="1" lang="ja-JP" altLang="en-US" smtClean="0"/>
-              <a:t>2023/5/15</a:t>
+              <a:t>2023/5/16</a:t>
             </a:fld>
             <a:endParaRPr kumimoji="1" lang="ja-JP" altLang="en-US"/>
           </a:p>
@@ -1948,7 +1948,7 @@
           <a:p>
             <a:fld id="{671059BB-3F16-4E26-85EA-CCCF91169BF5}" type="datetimeFigureOut">
               <a:rPr kumimoji="1" lang="ja-JP" altLang="en-US" smtClean="0"/>
-              <a:t>2023/5/15</a:t>
+              <a:t>2023/5/16</a:t>
             </a:fld>
             <a:endParaRPr kumimoji="1" lang="ja-JP" altLang="en-US"/>
           </a:p>
@@ -2043,7 +2043,7 @@
           <a:p>
             <a:fld id="{671059BB-3F16-4E26-85EA-CCCF91169BF5}" type="datetimeFigureOut">
               <a:rPr kumimoji="1" lang="ja-JP" altLang="en-US" smtClean="0"/>
-              <a:t>2023/5/15</a:t>
+              <a:t>2023/5/16</a:t>
             </a:fld>
             <a:endParaRPr kumimoji="1" lang="ja-JP" altLang="en-US"/>
           </a:p>
@@ -2352,7 +2352,7 @@
           <a:p>
             <a:fld id="{671059BB-3F16-4E26-85EA-CCCF91169BF5}" type="datetimeFigureOut">
               <a:rPr kumimoji="1" lang="ja-JP" altLang="en-US" smtClean="0"/>
-              <a:t>2023/5/15</a:t>
+              <a:t>2023/5/16</a:t>
             </a:fld>
             <a:endParaRPr kumimoji="1" lang="ja-JP" altLang="en-US"/>
           </a:p>
@@ -2609,7 +2609,7 @@
           <a:p>
             <a:fld id="{671059BB-3F16-4E26-85EA-CCCF91169BF5}" type="datetimeFigureOut">
               <a:rPr kumimoji="1" lang="ja-JP" altLang="en-US" smtClean="0"/>
-              <a:t>2023/5/15</a:t>
+              <a:t>2023/5/16</a:t>
             </a:fld>
             <a:endParaRPr kumimoji="1" lang="ja-JP" altLang="en-US"/>
           </a:p>
@@ -2854,7 +2854,7 @@
           <a:p>
             <a:fld id="{671059BB-3F16-4E26-85EA-CCCF91169BF5}" type="datetimeFigureOut">
               <a:rPr kumimoji="1" lang="ja-JP" altLang="en-US" smtClean="0"/>
-              <a:t>2023/5/15</a:t>
+              <a:t>2023/5/16</a:t>
             </a:fld>
             <a:endParaRPr kumimoji="1" lang="ja-JP" altLang="en-US"/>
           </a:p>
@@ -3274,14 +3274,14 @@
           <p:nvPr>
             <p:extLst>
               <p:ext uri="{D42A27DB-BD31-4B8C-83A1-F6EECF244321}">
-                <p14:modId xmlns:p14="http://schemas.microsoft.com/office/powerpoint/2010/main" val="1712288825"/>
+                <p14:modId xmlns:p14="http://schemas.microsoft.com/office/powerpoint/2010/main" val="2768391740"/>
               </p:ext>
             </p:extLst>
           </p:nvPr>
         </p:nvGraphicFramePr>
         <p:xfrm>
-          <a:off x="6482080" y="278621"/>
-          <a:ext cx="2143488" cy="4577859"/>
+          <a:off x="6506484" y="1717347"/>
+          <a:ext cx="2143488" cy="3342640"/>
         </p:xfrm>
         <a:graphic>
           <a:graphicData uri="http://schemas.openxmlformats.org/drawingml/2006/table">
@@ -3298,7 +3298,7 @@
                   </a:extLst>
                 </a:gridCol>
               </a:tblGrid>
-              <a:tr h="401931">
+              <a:tr h="179359">
                 <a:tc>
                   <a:txBody>
                     <a:bodyPr/>
@@ -3375,7 +3375,7 @@
                   </a:ext>
                 </a:extLst>
               </a:tr>
-              <a:tr h="4175928">
+              <a:tr h="1863485">
                 <a:tc>
                   <a:txBody>
                     <a:bodyPr/>
@@ -3598,20 +3598,28 @@
                         </a:rPr>
                         <a:t>得意科目</a:t>
                       </a:r>
-                      <a:br>
+                      <a:endParaRPr lang="en-US" altLang="ja-JP" sz="2000" dirty="0">
+                        <a:effectLst/>
+                        <a:latin typeface="ＭＳ ゴシック" panose="020B0609070205080204" pitchFamily="49" charset="-128"/>
+                        <a:ea typeface="ＭＳ ゴシック" panose="020B0609070205080204" pitchFamily="49" charset="-128"/>
+                      </a:endParaRPr>
+                    </a:p>
+                    <a:p>
+                      <a:r>
+                        <a:rPr lang="en-US" altLang="ja-JP" sz="2000" dirty="0">
+                          <a:effectLst/>
+                          <a:latin typeface="ＭＳ ゴシック" panose="020B0609070205080204" pitchFamily="49" charset="-128"/>
+                          <a:ea typeface="ＭＳ ゴシック" panose="020B0609070205080204" pitchFamily="49" charset="-128"/>
+                        </a:rPr>
+                        <a:t> * </a:t>
+                      </a:r>
+                      <a:r>
                         <a:rPr lang="ja-JP" altLang="en-US" sz="2000" dirty="0">
                           <a:effectLst/>
                           <a:latin typeface="ＭＳ ゴシック" panose="020B0609070205080204" pitchFamily="49" charset="-128"/>
                           <a:ea typeface="ＭＳ ゴシック" panose="020B0609070205080204" pitchFamily="49" charset="-128"/>
                         </a:rPr>
-                      </a:br>
-                      <a:r>
-                        <a:rPr lang="ja-JP" altLang="en-US" sz="2000" dirty="0">
-                          <a:effectLst/>
-                          <a:latin typeface="ＭＳ ゴシック" panose="020B0609070205080204" pitchFamily="49" charset="-128"/>
-                          <a:ea typeface="ＭＳ ゴシック" panose="020B0609070205080204" pitchFamily="49" charset="-128"/>
-                        </a:rPr>
-                        <a:t> </a:t>
+                        <a:t>評価</a:t>
                       </a:r>
                       <a:r>
                         <a:rPr lang="en-US" altLang="ja-JP" sz="2000" dirty="0">
@@ -3619,139 +3627,7 @@
                           <a:latin typeface="ＭＳ ゴシック" panose="020B0609070205080204" pitchFamily="49" charset="-128"/>
                           <a:ea typeface="ＭＳ ゴシック" panose="020B0609070205080204" pitchFamily="49" charset="-128"/>
                         </a:rPr>
-                        <a:t>*</a:t>
-                      </a:r>
-                      <a:r>
-                        <a:rPr lang="ja-JP" altLang="en-US" sz="2000" dirty="0">
-                          <a:effectLst/>
-                          <a:latin typeface="ＭＳ ゴシック" panose="020B0609070205080204" pitchFamily="49" charset="-128"/>
-                          <a:ea typeface="ＭＳ ゴシック" panose="020B0609070205080204" pitchFamily="49" charset="-128"/>
-                        </a:rPr>
-                        <a:t> </a:t>
-                      </a:r>
-                      <a:r>
-                        <a:rPr lang="en-US" altLang="ja-JP" sz="2000" dirty="0">
-                          <a:effectLst/>
-                          <a:latin typeface="ＭＳ ゴシック" panose="020B0609070205080204" pitchFamily="49" charset="-128"/>
-                          <a:ea typeface="ＭＳ ゴシック" panose="020B0609070205080204" pitchFamily="49" charset="-128"/>
-                        </a:rPr>
-                        <a:t>TRP</a:t>
-                      </a:r>
-                      <a:br>
-                        <a:rPr lang="en-US" altLang="ja-JP" sz="2000" dirty="0">
-                          <a:effectLst/>
-                          <a:latin typeface="ＭＳ ゴシック" panose="020B0609070205080204" pitchFamily="49" charset="-128"/>
-                          <a:ea typeface="ＭＳ ゴシック" panose="020B0609070205080204" pitchFamily="49" charset="-128"/>
-                        </a:rPr>
-                      </a:br>
-                      <a:r>
-                        <a:rPr lang="en-US" altLang="ja-JP" sz="2000" dirty="0">
-                          <a:effectLst/>
-                          <a:latin typeface="ＭＳ ゴシック" panose="020B0609070205080204" pitchFamily="49" charset="-128"/>
-                          <a:ea typeface="ＭＳ ゴシック" panose="020B0609070205080204" pitchFamily="49" charset="-128"/>
-                        </a:rPr>
-                        <a:t> * </a:t>
-                      </a:r>
-                      <a:r>
-                        <a:rPr lang="ja-JP" altLang="en-US" sz="2000" dirty="0">
-                          <a:effectLst/>
-                          <a:latin typeface="ＭＳ ゴシック" panose="020B0609070205080204" pitchFamily="49" charset="-128"/>
-                          <a:ea typeface="ＭＳ ゴシック" panose="020B0609070205080204" pitchFamily="49" charset="-128"/>
-                        </a:rPr>
-                        <a:t>被評価回数</a:t>
-                      </a:r>
-                      <a:br>
-                        <a:rPr lang="ja-JP" altLang="en-US" sz="2000" dirty="0">
-                          <a:effectLst/>
-                          <a:latin typeface="ＭＳ ゴシック" panose="020B0609070205080204" pitchFamily="49" charset="-128"/>
-                          <a:ea typeface="ＭＳ ゴシック" panose="020B0609070205080204" pitchFamily="49" charset="-128"/>
-                        </a:rPr>
-                      </a:br>
-                      <a:r>
-                        <a:rPr lang="ja-JP" altLang="en-US" sz="2000" dirty="0">
-                          <a:effectLst/>
-                          <a:latin typeface="ＭＳ ゴシック" panose="020B0609070205080204" pitchFamily="49" charset="-128"/>
-                          <a:ea typeface="ＭＳ ゴシック" panose="020B0609070205080204" pitchFamily="49" charset="-128"/>
-                        </a:rPr>
-                        <a:t> </a:t>
-                      </a:r>
-                      <a:r>
-                        <a:rPr lang="en-US" altLang="ja-JP" sz="2000" dirty="0">
-                          <a:effectLst/>
-                          <a:latin typeface="ＭＳ ゴシック" panose="020B0609070205080204" pitchFamily="49" charset="-128"/>
-                          <a:ea typeface="ＭＳ ゴシック" panose="020B0609070205080204" pitchFamily="49" charset="-128"/>
-                        </a:rPr>
-                        <a:t>*</a:t>
-                      </a:r>
-                      <a:r>
-                        <a:rPr lang="ja-JP" altLang="en-US" sz="2000" dirty="0">
-                          <a:effectLst/>
-                          <a:latin typeface="ＭＳ ゴシック" panose="020B0609070205080204" pitchFamily="49" charset="-128"/>
-                          <a:ea typeface="ＭＳ ゴシック" panose="020B0609070205080204" pitchFamily="49" charset="-128"/>
-                        </a:rPr>
-                        <a:t> 総被評価値</a:t>
-                      </a:r>
-                      <a:br>
-                        <a:rPr lang="ja-JP" altLang="en-US" sz="2000" dirty="0">
-                          <a:effectLst/>
-                          <a:latin typeface="ＭＳ ゴシック" panose="020B0609070205080204" pitchFamily="49" charset="-128"/>
-                          <a:ea typeface="ＭＳ ゴシック" panose="020B0609070205080204" pitchFamily="49" charset="-128"/>
-                        </a:rPr>
-                      </a:br>
-                      <a:r>
-                        <a:rPr lang="ja-JP" altLang="en-US" sz="2000" dirty="0">
-                          <a:effectLst/>
-                          <a:latin typeface="ＭＳ ゴシック" panose="020B0609070205080204" pitchFamily="49" charset="-128"/>
-                          <a:ea typeface="ＭＳ ゴシック" panose="020B0609070205080204" pitchFamily="49" charset="-128"/>
-                        </a:rPr>
-                        <a:t> </a:t>
-                      </a:r>
-                      <a:r>
-                        <a:rPr lang="en-US" altLang="ja-JP" sz="2000" dirty="0">
-                          <a:effectLst/>
-                          <a:latin typeface="ＭＳ ゴシック" panose="020B0609070205080204" pitchFamily="49" charset="-128"/>
-                          <a:ea typeface="ＭＳ ゴシック" panose="020B0609070205080204" pitchFamily="49" charset="-128"/>
-                        </a:rPr>
-                        <a:t>*</a:t>
-                      </a:r>
-                      <a:r>
-                        <a:rPr lang="ja-JP" altLang="en-US" sz="2000" dirty="0">
-                          <a:effectLst/>
-                          <a:latin typeface="ＭＳ ゴシック" panose="020B0609070205080204" pitchFamily="49" charset="-128"/>
-                          <a:ea typeface="ＭＳ ゴシック" panose="020B0609070205080204" pitchFamily="49" charset="-128"/>
-                        </a:rPr>
-                        <a:t> 与評価回数</a:t>
-                      </a:r>
-                      <a:br>
-                        <a:rPr lang="ja-JP" altLang="en-US" sz="2000" dirty="0">
-                          <a:effectLst/>
-                          <a:latin typeface="ＭＳ ゴシック" panose="020B0609070205080204" pitchFamily="49" charset="-128"/>
-                          <a:ea typeface="ＭＳ ゴシック" panose="020B0609070205080204" pitchFamily="49" charset="-128"/>
-                        </a:rPr>
-                      </a:br>
-                      <a:r>
-                        <a:rPr lang="ja-JP" altLang="en-US" sz="2000" dirty="0">
-                          <a:effectLst/>
-                          <a:latin typeface="ＭＳ ゴシック" panose="020B0609070205080204" pitchFamily="49" charset="-128"/>
-                          <a:ea typeface="ＭＳ ゴシック" panose="020B0609070205080204" pitchFamily="49" charset="-128"/>
-                        </a:rPr>
-                        <a:t> </a:t>
-                      </a:r>
-                      <a:r>
-                        <a:rPr lang="en-US" altLang="ja-JP" sz="2000" dirty="0">
-                          <a:effectLst/>
-                          <a:latin typeface="ＭＳ ゴシック" panose="020B0609070205080204" pitchFamily="49" charset="-128"/>
-                          <a:ea typeface="ＭＳ ゴシック" panose="020B0609070205080204" pitchFamily="49" charset="-128"/>
-                        </a:rPr>
-                        <a:t>*</a:t>
-                      </a:r>
-                      <a:r>
-                        <a:rPr lang="ja-JP" altLang="en-US" sz="2000" dirty="0">
-                          <a:effectLst/>
-                          <a:latin typeface="ＭＳ ゴシック" panose="020B0609070205080204" pitchFamily="49" charset="-128"/>
-                          <a:ea typeface="ＭＳ ゴシック" panose="020B0609070205080204" pitchFamily="49" charset="-128"/>
-                        </a:rPr>
-                        <a:t> 総与評価値</a:t>
+                        <a:t>ID(FK)</a:t>
                       </a:r>
                     </a:p>
                   </a:txBody>
@@ -5173,13 +5049,13 @@
           <p:nvPr>
             <p:extLst>
               <p:ext uri="{D42A27DB-BD31-4B8C-83A1-F6EECF244321}">
-                <p14:modId xmlns:p14="http://schemas.microsoft.com/office/powerpoint/2010/main" val="3722489713"/>
+                <p14:modId xmlns:p14="http://schemas.microsoft.com/office/powerpoint/2010/main" val="2170078434"/>
               </p:ext>
             </p:extLst>
           </p:nvPr>
         </p:nvGraphicFramePr>
         <p:xfrm>
-          <a:off x="478764" y="1797538"/>
+          <a:off x="9393510" y="1722776"/>
           <a:ext cx="2259527" cy="1859280"/>
         </p:xfrm>
         <a:graphic>
@@ -6178,8 +6054,8 @@
         </p:nvCxnSpPr>
         <p:spPr>
           <a:xfrm flipV="1">
-            <a:off x="4579254" y="2567550"/>
-            <a:ext cx="1902826" cy="2353808"/>
+            <a:off x="4579254" y="3388667"/>
+            <a:ext cx="1927230" cy="1532691"/>
           </a:xfrm>
           <a:prstGeom prst="straightConnector1">
             <a:avLst/>
@@ -6225,8 +6101,8 @@
         </p:nvCxnSpPr>
         <p:spPr>
           <a:xfrm flipH="1" flipV="1">
-            <a:off x="8625568" y="2567550"/>
-            <a:ext cx="1927229" cy="2628128"/>
+            <a:off x="8649972" y="3388667"/>
+            <a:ext cx="1902825" cy="1807011"/>
           </a:xfrm>
           <a:prstGeom prst="straightConnector1">
             <a:avLst/>
@@ -6268,7 +6144,7 @@
         </p:nvSpPr>
         <p:spPr>
           <a:xfrm>
-            <a:off x="8778240" y="2220686"/>
+            <a:off x="8679138" y="3014295"/>
             <a:ext cx="715016" cy="369332"/>
           </a:xfrm>
           <a:prstGeom prst="rect">
@@ -6484,7 +6360,7 @@
         </p:nvSpPr>
         <p:spPr>
           <a:xfrm>
-            <a:off x="6059658" y="2220686"/>
+            <a:off x="5777207" y="3454659"/>
             <a:ext cx="715016" cy="369332"/>
           </a:xfrm>
           <a:prstGeom prst="rect">
@@ -6753,6 +6629,465 @@
             <a:r>
               <a:rPr kumimoji="1" lang="en-US" altLang="ja-JP" dirty="0"/>
               <a:t>0..*</a:t>
+            </a:r>
+            <a:endParaRPr kumimoji="1" lang="ja-JP" altLang="en-US" dirty="0"/>
+          </a:p>
+        </p:txBody>
+      </p:sp>
+      <p:graphicFrame>
+        <p:nvGraphicFramePr>
+          <p:cNvPr id="21" name="表 20">
+            <a:extLst>
+              <a:ext uri="{FF2B5EF4-FFF2-40B4-BE49-F238E27FC236}">
+                <a16:creationId xmlns:a16="http://schemas.microsoft.com/office/drawing/2014/main" id="{36EA3A64-40B5-1217-C2B0-8A8D5185F32D}"/>
+              </a:ext>
+            </a:extLst>
+          </p:cNvPr>
+          <p:cNvGraphicFramePr>
+            <a:graphicFrameLocks noGrp="1"/>
+          </p:cNvGraphicFramePr>
+          <p:nvPr>
+            <p:extLst>
+              <p:ext uri="{D42A27DB-BD31-4B8C-83A1-F6EECF244321}">
+                <p14:modId xmlns:p14="http://schemas.microsoft.com/office/powerpoint/2010/main" val="54809002"/>
+              </p:ext>
+            </p:extLst>
+          </p:nvPr>
+        </p:nvGraphicFramePr>
+        <p:xfrm>
+          <a:off x="1400631" y="2321867"/>
+          <a:ext cx="2119082" cy="2133600"/>
+        </p:xfrm>
+        <a:graphic>
+          <a:graphicData uri="http://schemas.openxmlformats.org/drawingml/2006/table">
+            <a:tbl>
+              <a:tblPr firstRow="1" bandRow="1">
+                <a:tableStyleId>{5C22544A-7EE6-4342-B048-85BDC9FD1C3A}</a:tableStyleId>
+              </a:tblPr>
+              <a:tblGrid>
+                <a:gridCol w="2119082">
+                  <a:extLst>
+                    <a:ext uri="{9D8B030D-6E8A-4147-A177-3AD203B41FA5}">
+                      <a16:colId xmlns:a16="http://schemas.microsoft.com/office/drawing/2014/main" val="20000"/>
+                    </a:ext>
+                  </a:extLst>
+                </a:gridCol>
+              </a:tblGrid>
+              <a:tr h="0">
+                <a:tc>
+                  <a:txBody>
+                    <a:bodyPr/>
+                    <a:lstStyle/>
+                    <a:p>
+                      <a:pPr algn="ctr"/>
+                      <a:r>
+                        <a:rPr kumimoji="1" lang="ja-JP" altLang="en-US" sz="2000" b="0" dirty="0">
+                          <a:solidFill>
+                            <a:schemeClr val="tx1"/>
+                          </a:solidFill>
+                          <a:latin typeface="ＭＳ ゴシック" panose="020B0609070205080204" pitchFamily="49" charset="-128"/>
+                          <a:ea typeface="ＭＳ ゴシック" panose="020B0609070205080204" pitchFamily="49" charset="-128"/>
+                        </a:rPr>
+                        <a:t>評価</a:t>
+                      </a:r>
+                      <a:endParaRPr kumimoji="1" lang="en-US" altLang="ja-JP" sz="2000" b="0" dirty="0">
+                        <a:solidFill>
+                          <a:schemeClr val="tx1"/>
+                        </a:solidFill>
+                        <a:latin typeface="ＭＳ ゴシック" panose="020B0609070205080204" pitchFamily="49" charset="-128"/>
+                        <a:ea typeface="ＭＳ ゴシック" panose="020B0609070205080204" pitchFamily="49" charset="-128"/>
+                      </a:endParaRPr>
+                    </a:p>
+                  </a:txBody>
+                  <a:tcPr>
+                    <a:lnL w="12700" cap="flat" cmpd="sng" algn="ctr">
+                      <a:solidFill>
+                        <a:schemeClr val="tx1"/>
+                      </a:solidFill>
+                      <a:prstDash val="solid"/>
+                      <a:round/>
+                      <a:headEnd type="none" w="med" len="med"/>
+                      <a:tailEnd type="none" w="med" len="med"/>
+                    </a:lnL>
+                    <a:lnR w="12700" cap="flat" cmpd="sng" algn="ctr">
+                      <a:solidFill>
+                        <a:schemeClr val="tx1"/>
+                      </a:solidFill>
+                      <a:prstDash val="solid"/>
+                      <a:round/>
+                      <a:headEnd type="none" w="med" len="med"/>
+                      <a:tailEnd type="none" w="med" len="med"/>
+                    </a:lnR>
+                    <a:lnT w="12700" cap="flat" cmpd="sng" algn="ctr">
+                      <a:solidFill>
+                        <a:schemeClr val="tx1"/>
+                      </a:solidFill>
+                      <a:prstDash val="solid"/>
+                      <a:round/>
+                      <a:headEnd type="none" w="med" len="med"/>
+                      <a:tailEnd type="none" w="med" len="med"/>
+                    </a:lnT>
+                    <a:lnB w="12700" cap="flat" cmpd="sng" algn="ctr">
+                      <a:solidFill>
+                        <a:schemeClr val="tx1"/>
+                      </a:solidFill>
+                      <a:prstDash val="solid"/>
+                      <a:round/>
+                      <a:headEnd type="none" w="med" len="med"/>
+                      <a:tailEnd type="none" w="med" len="med"/>
+                    </a:lnB>
+                    <a:solidFill>
+                      <a:schemeClr val="accent5">
+                        <a:lumMod val="40000"/>
+                        <a:lumOff val="60000"/>
+                      </a:schemeClr>
+                    </a:solidFill>
+                  </a:tcPr>
+                </a:tc>
+                <a:extLst>
+                  <a:ext uri="{0D108BD9-81ED-4DB2-BD59-A6C34878D82A}">
+                    <a16:rowId xmlns:a16="http://schemas.microsoft.com/office/drawing/2014/main" val="10000"/>
+                  </a:ext>
+                </a:extLst>
+              </a:tr>
+              <a:tr h="1320847">
+                <a:tc>
+                  <a:txBody>
+                    <a:bodyPr/>
+                    <a:lstStyle/>
+                    <a:p>
+                      <a:r>
+                        <a:rPr lang="en-US" altLang="ja-JP" sz="1800" dirty="0">
+                          <a:effectLst/>
+                          <a:latin typeface="ＭＳ ゴシック" panose="020B0609070205080204" pitchFamily="49" charset="-128"/>
+                          <a:ea typeface="ＭＳ ゴシック" panose="020B0609070205080204" pitchFamily="49" charset="-128"/>
+                        </a:rPr>
+                        <a:t>#* </a:t>
+                      </a:r>
+                      <a:r>
+                        <a:rPr lang="ja-JP" altLang="en-US" sz="1800" dirty="0">
+                          <a:effectLst/>
+                          <a:latin typeface="ＭＳ ゴシック" panose="020B0609070205080204" pitchFamily="49" charset="-128"/>
+                          <a:ea typeface="ＭＳ ゴシック" panose="020B0609070205080204" pitchFamily="49" charset="-128"/>
+                        </a:rPr>
+                        <a:t>評価</a:t>
+                      </a:r>
+                      <a:r>
+                        <a:rPr lang="en-US" altLang="ja-JP" sz="1800" dirty="0">
+                          <a:effectLst/>
+                          <a:latin typeface="ＭＳ ゴシック" panose="020B0609070205080204" pitchFamily="49" charset="-128"/>
+                          <a:ea typeface="ＭＳ ゴシック" panose="020B0609070205080204" pitchFamily="49" charset="-128"/>
+                        </a:rPr>
+                        <a:t>ID</a:t>
+                      </a:r>
+                    </a:p>
+                    <a:p>
+                      <a:r>
+                        <a:rPr lang="en-US" altLang="ja-JP" sz="1800" dirty="0">
+                          <a:effectLst/>
+                          <a:latin typeface="ＭＳ ゴシック" panose="020B0609070205080204" pitchFamily="49" charset="-128"/>
+                          <a:ea typeface="ＭＳ ゴシック" panose="020B0609070205080204" pitchFamily="49" charset="-128"/>
+                        </a:rPr>
+                        <a:t> *</a:t>
+                      </a:r>
+                      <a:r>
+                        <a:rPr lang="ja-JP" altLang="en-US" sz="1800" dirty="0">
+                          <a:effectLst/>
+                          <a:latin typeface="ＭＳ ゴシック" panose="020B0609070205080204" pitchFamily="49" charset="-128"/>
+                          <a:ea typeface="ＭＳ ゴシック" panose="020B0609070205080204" pitchFamily="49" charset="-128"/>
+                        </a:rPr>
+                        <a:t> </a:t>
+                      </a:r>
+                      <a:r>
+                        <a:rPr lang="en-US" altLang="ja-JP" sz="1800" dirty="0">
+                          <a:effectLst/>
+                          <a:latin typeface="ＭＳ ゴシック" panose="020B0609070205080204" pitchFamily="49" charset="-128"/>
+                          <a:ea typeface="ＭＳ ゴシック" panose="020B0609070205080204" pitchFamily="49" charset="-128"/>
+                        </a:rPr>
+                        <a:t>TRP</a:t>
+                      </a:r>
+                      <a:br>
+                        <a:rPr lang="en-US" altLang="ja-JP" sz="1800" dirty="0">
+                          <a:effectLst/>
+                          <a:latin typeface="ＭＳ ゴシック" panose="020B0609070205080204" pitchFamily="49" charset="-128"/>
+                          <a:ea typeface="ＭＳ ゴシック" panose="020B0609070205080204" pitchFamily="49" charset="-128"/>
+                        </a:rPr>
+                      </a:br>
+                      <a:r>
+                        <a:rPr lang="en-US" altLang="ja-JP" sz="1800" dirty="0">
+                          <a:effectLst/>
+                          <a:latin typeface="ＭＳ ゴシック" panose="020B0609070205080204" pitchFamily="49" charset="-128"/>
+                          <a:ea typeface="ＭＳ ゴシック" panose="020B0609070205080204" pitchFamily="49" charset="-128"/>
+                        </a:rPr>
+                        <a:t> * </a:t>
+                      </a:r>
+                      <a:r>
+                        <a:rPr lang="ja-JP" altLang="en-US" sz="1800" dirty="0">
+                          <a:effectLst/>
+                          <a:latin typeface="ＭＳ ゴシック" panose="020B0609070205080204" pitchFamily="49" charset="-128"/>
+                          <a:ea typeface="ＭＳ ゴシック" panose="020B0609070205080204" pitchFamily="49" charset="-128"/>
+                        </a:rPr>
+                        <a:t>被評価回数</a:t>
+                      </a:r>
+                      <a:br>
+                        <a:rPr lang="ja-JP" altLang="en-US" sz="1800" dirty="0">
+                          <a:effectLst/>
+                          <a:latin typeface="ＭＳ ゴシック" panose="020B0609070205080204" pitchFamily="49" charset="-128"/>
+                          <a:ea typeface="ＭＳ ゴシック" panose="020B0609070205080204" pitchFamily="49" charset="-128"/>
+                        </a:rPr>
+                      </a:br>
+                      <a:r>
+                        <a:rPr lang="ja-JP" altLang="en-US" sz="1800" dirty="0">
+                          <a:effectLst/>
+                          <a:latin typeface="ＭＳ ゴシック" panose="020B0609070205080204" pitchFamily="49" charset="-128"/>
+                          <a:ea typeface="ＭＳ ゴシック" panose="020B0609070205080204" pitchFamily="49" charset="-128"/>
+                        </a:rPr>
+                        <a:t> </a:t>
+                      </a:r>
+                      <a:r>
+                        <a:rPr lang="en-US" altLang="ja-JP" sz="1800" dirty="0">
+                          <a:effectLst/>
+                          <a:latin typeface="ＭＳ ゴシック" panose="020B0609070205080204" pitchFamily="49" charset="-128"/>
+                          <a:ea typeface="ＭＳ ゴシック" panose="020B0609070205080204" pitchFamily="49" charset="-128"/>
+                        </a:rPr>
+                        <a:t>*</a:t>
+                      </a:r>
+                      <a:r>
+                        <a:rPr lang="ja-JP" altLang="en-US" sz="1800" dirty="0">
+                          <a:effectLst/>
+                          <a:latin typeface="ＭＳ ゴシック" panose="020B0609070205080204" pitchFamily="49" charset="-128"/>
+                          <a:ea typeface="ＭＳ ゴシック" panose="020B0609070205080204" pitchFamily="49" charset="-128"/>
+                        </a:rPr>
+                        <a:t> 総被評価値</a:t>
+                      </a:r>
+                      <a:br>
+                        <a:rPr lang="ja-JP" altLang="en-US" sz="1800" dirty="0">
+                          <a:effectLst/>
+                          <a:latin typeface="ＭＳ ゴシック" panose="020B0609070205080204" pitchFamily="49" charset="-128"/>
+                          <a:ea typeface="ＭＳ ゴシック" panose="020B0609070205080204" pitchFamily="49" charset="-128"/>
+                        </a:rPr>
+                      </a:br>
+                      <a:r>
+                        <a:rPr lang="ja-JP" altLang="en-US" sz="1800" dirty="0">
+                          <a:effectLst/>
+                          <a:latin typeface="ＭＳ ゴシック" panose="020B0609070205080204" pitchFamily="49" charset="-128"/>
+                          <a:ea typeface="ＭＳ ゴシック" panose="020B0609070205080204" pitchFamily="49" charset="-128"/>
+                        </a:rPr>
+                        <a:t> </a:t>
+                      </a:r>
+                      <a:r>
+                        <a:rPr lang="en-US" altLang="ja-JP" sz="1800" dirty="0">
+                          <a:effectLst/>
+                          <a:latin typeface="ＭＳ ゴシック" panose="020B0609070205080204" pitchFamily="49" charset="-128"/>
+                          <a:ea typeface="ＭＳ ゴシック" panose="020B0609070205080204" pitchFamily="49" charset="-128"/>
+                        </a:rPr>
+                        <a:t>*</a:t>
+                      </a:r>
+                      <a:r>
+                        <a:rPr lang="ja-JP" altLang="en-US" sz="1800" dirty="0">
+                          <a:effectLst/>
+                          <a:latin typeface="ＭＳ ゴシック" panose="020B0609070205080204" pitchFamily="49" charset="-128"/>
+                          <a:ea typeface="ＭＳ ゴシック" panose="020B0609070205080204" pitchFamily="49" charset="-128"/>
+                        </a:rPr>
+                        <a:t> 与評価回数</a:t>
+                      </a:r>
+                      <a:br>
+                        <a:rPr lang="ja-JP" altLang="en-US" sz="1800" dirty="0">
+                          <a:effectLst/>
+                          <a:latin typeface="ＭＳ ゴシック" panose="020B0609070205080204" pitchFamily="49" charset="-128"/>
+                          <a:ea typeface="ＭＳ ゴシック" panose="020B0609070205080204" pitchFamily="49" charset="-128"/>
+                        </a:rPr>
+                      </a:br>
+                      <a:r>
+                        <a:rPr lang="ja-JP" altLang="en-US" sz="1800" dirty="0">
+                          <a:effectLst/>
+                          <a:latin typeface="ＭＳ ゴシック" panose="020B0609070205080204" pitchFamily="49" charset="-128"/>
+                          <a:ea typeface="ＭＳ ゴシック" panose="020B0609070205080204" pitchFamily="49" charset="-128"/>
+                        </a:rPr>
+                        <a:t> </a:t>
+                      </a:r>
+                      <a:r>
+                        <a:rPr lang="en-US" altLang="ja-JP" sz="1800" dirty="0">
+                          <a:effectLst/>
+                          <a:latin typeface="ＭＳ ゴシック" panose="020B0609070205080204" pitchFamily="49" charset="-128"/>
+                          <a:ea typeface="ＭＳ ゴシック" panose="020B0609070205080204" pitchFamily="49" charset="-128"/>
+                        </a:rPr>
+                        <a:t>*</a:t>
+                      </a:r>
+                      <a:r>
+                        <a:rPr lang="ja-JP" altLang="en-US" sz="1800" dirty="0">
+                          <a:effectLst/>
+                          <a:latin typeface="ＭＳ ゴシック" panose="020B0609070205080204" pitchFamily="49" charset="-128"/>
+                          <a:ea typeface="ＭＳ ゴシック" panose="020B0609070205080204" pitchFamily="49" charset="-128"/>
+                        </a:rPr>
+                        <a:t> 総与評価値</a:t>
+                      </a:r>
+                      <a:endParaRPr kumimoji="1" lang="en-US" altLang="ja-JP" sz="1800" b="1" dirty="0">
+                        <a:latin typeface="ＭＳ ゴシック" pitchFamily="49" charset="-128"/>
+                        <a:ea typeface="ＭＳ ゴシック" pitchFamily="49" charset="-128"/>
+                      </a:endParaRPr>
+                    </a:p>
+                  </a:txBody>
+                  <a:tcPr>
+                    <a:lnL w="12700" cap="flat" cmpd="sng" algn="ctr">
+                      <a:solidFill>
+                        <a:schemeClr val="tx1"/>
+                      </a:solidFill>
+                      <a:prstDash val="solid"/>
+                      <a:round/>
+                      <a:headEnd type="none" w="med" len="med"/>
+                      <a:tailEnd type="none" w="med" len="med"/>
+                    </a:lnL>
+                    <a:lnR w="12700" cap="flat" cmpd="sng" algn="ctr">
+                      <a:solidFill>
+                        <a:schemeClr val="tx1"/>
+                      </a:solidFill>
+                      <a:prstDash val="solid"/>
+                      <a:round/>
+                      <a:headEnd type="none" w="med" len="med"/>
+                      <a:tailEnd type="none" w="med" len="med"/>
+                    </a:lnR>
+                    <a:lnT w="12700" cap="flat" cmpd="sng" algn="ctr">
+                      <a:solidFill>
+                        <a:schemeClr val="tx1"/>
+                      </a:solidFill>
+                      <a:prstDash val="solid"/>
+                      <a:round/>
+                      <a:headEnd type="none" w="med" len="med"/>
+                      <a:tailEnd type="none" w="med" len="med"/>
+                    </a:lnT>
+                    <a:lnB w="12700" cap="flat" cmpd="sng" algn="ctr">
+                      <a:solidFill>
+                        <a:schemeClr val="tx1"/>
+                      </a:solidFill>
+                      <a:prstDash val="solid"/>
+                      <a:round/>
+                      <a:headEnd type="none" w="med" len="med"/>
+                      <a:tailEnd type="none" w="med" len="med"/>
+                    </a:lnB>
+                    <a:solidFill>
+                      <a:schemeClr val="bg1"/>
+                    </a:solidFill>
+                  </a:tcPr>
+                </a:tc>
+                <a:extLst>
+                  <a:ext uri="{0D108BD9-81ED-4DB2-BD59-A6C34878D82A}">
+                    <a16:rowId xmlns:a16="http://schemas.microsoft.com/office/drawing/2014/main" val="10001"/>
+                  </a:ext>
+                </a:extLst>
+              </a:tr>
+            </a:tbl>
+          </a:graphicData>
+        </a:graphic>
+      </p:graphicFrame>
+      <p:cxnSp>
+        <p:nvCxnSpPr>
+          <p:cNvPr id="28" name="直線コネクタ 27">
+            <a:extLst>
+              <a:ext uri="{FF2B5EF4-FFF2-40B4-BE49-F238E27FC236}">
+                <a16:creationId xmlns:a16="http://schemas.microsoft.com/office/drawing/2014/main" id="{622CC3F2-4BE5-E40B-5321-F3CBA92FAF79}"/>
+              </a:ext>
+            </a:extLst>
+          </p:cNvPr>
+          <p:cNvCxnSpPr>
+            <a:cxnSpLocks/>
+            <a:stCxn id="21" idx="3"/>
+            <a:endCxn id="6" idx="1"/>
+          </p:cNvCxnSpPr>
+          <p:nvPr/>
+        </p:nvCxnSpPr>
+        <p:spPr>
+          <a:xfrm>
+            <a:off x="3519713" y="3388667"/>
+            <a:ext cx="2986771" cy="0"/>
+          </a:xfrm>
+          <a:prstGeom prst="line">
+            <a:avLst/>
+          </a:prstGeom>
+          <a:ln w="28575"/>
+        </p:spPr>
+        <p:style>
+          <a:lnRef idx="1">
+            <a:schemeClr val="dk1"/>
+          </a:lnRef>
+          <a:fillRef idx="0">
+            <a:schemeClr val="dk1"/>
+          </a:fillRef>
+          <a:effectRef idx="0">
+            <a:schemeClr val="dk1"/>
+          </a:effectRef>
+          <a:fontRef idx="minor">
+            <a:schemeClr val="tx1"/>
+          </a:fontRef>
+        </p:style>
+      </p:cxnSp>
+      <p:sp>
+        <p:nvSpPr>
+          <p:cNvPr id="31" name="テキスト ボックス 30">
+            <a:extLst>
+              <a:ext uri="{FF2B5EF4-FFF2-40B4-BE49-F238E27FC236}">
+                <a16:creationId xmlns:a16="http://schemas.microsoft.com/office/drawing/2014/main" id="{EE6E380F-C91E-04D6-67AC-A49D7FF082E6}"/>
+              </a:ext>
+            </a:extLst>
+          </p:cNvPr>
+          <p:cNvSpPr txBox="1"/>
+          <p:nvPr/>
+        </p:nvSpPr>
+        <p:spPr>
+          <a:xfrm>
+            <a:off x="6096000" y="2986494"/>
+            <a:ext cx="715016" cy="369332"/>
+          </a:xfrm>
+          <a:prstGeom prst="rect">
+            <a:avLst/>
+          </a:prstGeom>
+          <a:noFill/>
+        </p:spPr>
+        <p:txBody>
+          <a:bodyPr wrap="square" rtlCol="0">
+            <a:spAutoFit/>
+          </a:bodyPr>
+          <a:lstStyle/>
+          <a:p>
+            <a:r>
+              <a:rPr kumimoji="1" lang="en-US" altLang="ja-JP" dirty="0"/>
+              <a:t>1</a:t>
+            </a:r>
+            <a:endParaRPr kumimoji="1" lang="ja-JP" altLang="en-US" dirty="0"/>
+          </a:p>
+        </p:txBody>
+      </p:sp>
+      <p:sp>
+        <p:nvSpPr>
+          <p:cNvPr id="32" name="テキスト ボックス 31">
+            <a:extLst>
+              <a:ext uri="{FF2B5EF4-FFF2-40B4-BE49-F238E27FC236}">
+                <a16:creationId xmlns:a16="http://schemas.microsoft.com/office/drawing/2014/main" id="{87D9C116-A252-C0C4-FECE-CA8C88EC99DC}"/>
+              </a:ext>
+            </a:extLst>
+          </p:cNvPr>
+          <p:cNvSpPr txBox="1"/>
+          <p:nvPr/>
+        </p:nvSpPr>
+        <p:spPr>
+          <a:xfrm>
+            <a:off x="3533974" y="3026645"/>
+            <a:ext cx="715016" cy="369332"/>
+          </a:xfrm>
+          <a:prstGeom prst="rect">
+            <a:avLst/>
+          </a:prstGeom>
+          <a:noFill/>
+        </p:spPr>
+        <p:txBody>
+          <a:bodyPr wrap="square" rtlCol="0">
+            <a:spAutoFit/>
+          </a:bodyPr>
+          <a:lstStyle/>
+          <a:p>
+            <a:r>
+              <a:rPr kumimoji="1" lang="en-US" altLang="ja-JP" dirty="0"/>
+              <a:t>1</a:t>
             </a:r>
             <a:endParaRPr kumimoji="1" lang="ja-JP" altLang="en-US" dirty="0"/>
           </a:p>

--- a/20_設計/22_データベース設計/概念データモデル.pptx
+++ b/20_設計/22_データベース設計/概念データモデル.pptx
@@ -3701,8 +3701,8 @@
         </p:nvCxnSpPr>
         <p:spPr>
           <a:xfrm flipV="1">
-            <a:off x="7566025" y="7054958"/>
-            <a:ext cx="2986772" cy="1561703"/>
+            <a:off x="7578228" y="7054958"/>
+            <a:ext cx="2992497" cy="1553266"/>
           </a:xfrm>
           <a:prstGeom prst="straightConnector1">
             <a:avLst/>
@@ -3748,8 +3748,8 @@
         </p:nvCxnSpPr>
         <p:spPr>
           <a:xfrm flipV="1">
-            <a:off x="10523274" y="7054958"/>
-            <a:ext cx="29523" cy="1530455"/>
+            <a:off x="10569179" y="7054958"/>
+            <a:ext cx="1546" cy="1553266"/>
           </a:xfrm>
           <a:prstGeom prst="straightConnector1">
             <a:avLst/>
@@ -3792,14 +3792,14 @@
           <p:nvPr>
             <p:extLst>
               <p:ext uri="{D42A27DB-BD31-4B8C-83A1-F6EECF244321}">
-                <p14:modId xmlns:p14="http://schemas.microsoft.com/office/powerpoint/2010/main" val="73481362"/>
+                <p14:modId xmlns:p14="http://schemas.microsoft.com/office/powerpoint/2010/main" val="3318063217"/>
               </p:ext>
             </p:extLst>
           </p:nvPr>
         </p:nvGraphicFramePr>
         <p:xfrm>
-          <a:off x="3519713" y="4921358"/>
-          <a:ext cx="2119082" cy="2407920"/>
+          <a:off x="3514786" y="4921358"/>
+          <a:ext cx="2143489" cy="2407920"/>
         </p:xfrm>
         <a:graphic>
           <a:graphicData uri="http://schemas.openxmlformats.org/drawingml/2006/table">
@@ -3808,7 +3808,7 @@
                 <a:tableStyleId>{5C22544A-7EE6-4342-B048-85BDC9FD1C3A}</a:tableStyleId>
               </a:tblPr>
               <a:tblGrid>
-                <a:gridCol w="2119082">
+                <a:gridCol w="2143489">
                   <a:extLst>
                     <a:ext uri="{9D8B030D-6E8A-4147-A177-3AD203B41FA5}">
                       <a16:colId xmlns:a16="http://schemas.microsoft.com/office/drawing/2014/main" val="20000"/>
@@ -4185,14 +4185,14 @@
           <p:nvPr>
             <p:extLst>
               <p:ext uri="{D42A27DB-BD31-4B8C-83A1-F6EECF244321}">
-                <p14:modId xmlns:p14="http://schemas.microsoft.com/office/powerpoint/2010/main" val="1407820134"/>
+                <p14:modId xmlns:p14="http://schemas.microsoft.com/office/powerpoint/2010/main" val="3797958841"/>
               </p:ext>
             </p:extLst>
           </p:nvPr>
         </p:nvGraphicFramePr>
         <p:xfrm>
           <a:off x="9493256" y="5195678"/>
-          <a:ext cx="2119082" cy="1859280"/>
+          <a:ext cx="2154938" cy="1859280"/>
         </p:xfrm>
         <a:graphic>
           <a:graphicData uri="http://schemas.openxmlformats.org/drawingml/2006/table">
@@ -4201,7 +4201,7 @@
                 <a:tableStyleId>{5C22544A-7EE6-4342-B048-85BDC9FD1C3A}</a:tableStyleId>
               </a:tblPr>
               <a:tblGrid>
-                <a:gridCol w="2119082">
+                <a:gridCol w="2154938">
                   <a:extLst>
                     <a:ext uri="{9D8B030D-6E8A-4147-A177-3AD203B41FA5}">
                       <a16:colId xmlns:a16="http://schemas.microsoft.com/office/drawing/2014/main" val="20000"/>
@@ -4511,14 +4511,14 @@
           <p:nvPr>
             <p:extLst>
               <p:ext uri="{D42A27DB-BD31-4B8C-83A1-F6EECF244321}">
-                <p14:modId xmlns:p14="http://schemas.microsoft.com/office/powerpoint/2010/main" val="2006625059"/>
+                <p14:modId xmlns:p14="http://schemas.microsoft.com/office/powerpoint/2010/main" val="2011027869"/>
               </p:ext>
             </p:extLst>
           </p:nvPr>
         </p:nvGraphicFramePr>
         <p:xfrm>
-          <a:off x="6506484" y="8616661"/>
-          <a:ext cx="2119083" cy="1310640"/>
+          <a:off x="6510664" y="8608224"/>
+          <a:ext cx="2135128" cy="1310640"/>
         </p:xfrm>
         <a:graphic>
           <a:graphicData uri="http://schemas.openxmlformats.org/drawingml/2006/table">
@@ -4527,7 +4527,7 @@
                 <a:tableStyleId>{5C22544A-7EE6-4342-B048-85BDC9FD1C3A}</a:tableStyleId>
               </a:tblPr>
               <a:tblGrid>
-                <a:gridCol w="2119083">
+                <a:gridCol w="2135128">
                   <a:extLst>
                     <a:ext uri="{9D8B030D-6E8A-4147-A177-3AD203B41FA5}">
                       <a16:colId xmlns:a16="http://schemas.microsoft.com/office/drawing/2014/main" val="20000"/>
@@ -4780,14 +4780,14 @@
           <p:nvPr>
             <p:extLst>
               <p:ext uri="{D42A27DB-BD31-4B8C-83A1-F6EECF244321}">
-                <p14:modId xmlns:p14="http://schemas.microsoft.com/office/powerpoint/2010/main" val="1106603740"/>
+                <p14:modId xmlns:p14="http://schemas.microsoft.com/office/powerpoint/2010/main" val="24924061"/>
               </p:ext>
             </p:extLst>
           </p:nvPr>
         </p:nvGraphicFramePr>
         <p:xfrm>
-          <a:off x="548987" y="8585413"/>
-          <a:ext cx="2119083" cy="1333451"/>
+          <a:off x="626142" y="8585413"/>
+          <a:ext cx="2138914" cy="1333451"/>
         </p:xfrm>
         <a:graphic>
           <a:graphicData uri="http://schemas.openxmlformats.org/drawingml/2006/table">
@@ -4796,7 +4796,7 @@
                 <a:tableStyleId>{5C22544A-7EE6-4342-B048-85BDC9FD1C3A}</a:tableStyleId>
               </a:tblPr>
               <a:tblGrid>
-                <a:gridCol w="2119083">
+                <a:gridCol w="2138914">
                   <a:extLst>
                     <a:ext uri="{9D8B030D-6E8A-4147-A177-3AD203B41FA5}">
                       <a16:colId xmlns:a16="http://schemas.microsoft.com/office/drawing/2014/main" val="20000"/>
@@ -5049,14 +5049,14 @@
           <p:nvPr>
             <p:extLst>
               <p:ext uri="{D42A27DB-BD31-4B8C-83A1-F6EECF244321}">
-                <p14:modId xmlns:p14="http://schemas.microsoft.com/office/powerpoint/2010/main" val="2170078434"/>
+                <p14:modId xmlns:p14="http://schemas.microsoft.com/office/powerpoint/2010/main" val="3541627622"/>
               </p:ext>
             </p:extLst>
           </p:nvPr>
         </p:nvGraphicFramePr>
         <p:xfrm>
-          <a:off x="9393510" y="1722776"/>
-          <a:ext cx="2259527" cy="1859280"/>
+          <a:off x="9517661" y="1722776"/>
+          <a:ext cx="2130533" cy="1859280"/>
         </p:xfrm>
         <a:graphic>
           <a:graphicData uri="http://schemas.openxmlformats.org/drawingml/2006/table">
@@ -5065,7 +5065,7 @@
                 <a:tableStyleId>{5C22544A-7EE6-4342-B048-85BDC9FD1C3A}</a:tableStyleId>
               </a:tblPr>
               <a:tblGrid>
-                <a:gridCol w="2259527">
+                <a:gridCol w="2130533">
                   <a:extLst>
                     <a:ext uri="{9D8B030D-6E8A-4147-A177-3AD203B41FA5}">
                       <a16:colId xmlns:a16="http://schemas.microsoft.com/office/drawing/2014/main" val="20000"/>
@@ -5372,14 +5372,14 @@
           <p:nvPr>
             <p:extLst>
               <p:ext uri="{D42A27DB-BD31-4B8C-83A1-F6EECF244321}">
-                <p14:modId xmlns:p14="http://schemas.microsoft.com/office/powerpoint/2010/main" val="3495121503"/>
+                <p14:modId xmlns:p14="http://schemas.microsoft.com/office/powerpoint/2010/main" val="4128153771"/>
               </p:ext>
             </p:extLst>
           </p:nvPr>
         </p:nvGraphicFramePr>
         <p:xfrm>
-          <a:off x="3519713" y="8616661"/>
-          <a:ext cx="2135128" cy="1310640"/>
+          <a:off x="3514786" y="8608224"/>
+          <a:ext cx="2144982" cy="1310640"/>
         </p:xfrm>
         <a:graphic>
           <a:graphicData uri="http://schemas.openxmlformats.org/drawingml/2006/table">
@@ -5388,7 +5388,7 @@
                 <a:tableStyleId>{5C22544A-7EE6-4342-B048-85BDC9FD1C3A}</a:tableStyleId>
               </a:tblPr>
               <a:tblGrid>
-                <a:gridCol w="2135128">
+                <a:gridCol w="2144982">
                   <a:extLst>
                     <a:ext uri="{9D8B030D-6E8A-4147-A177-3AD203B41FA5}">
                       <a16:colId xmlns:a16="http://schemas.microsoft.com/office/drawing/2014/main" val="20000"/>
@@ -5641,14 +5641,14 @@
           <p:nvPr>
             <p:extLst>
               <p:ext uri="{D42A27DB-BD31-4B8C-83A1-F6EECF244321}">
-                <p14:modId xmlns:p14="http://schemas.microsoft.com/office/powerpoint/2010/main" val="2489364704"/>
+                <p14:modId xmlns:p14="http://schemas.microsoft.com/office/powerpoint/2010/main" val="1498474765"/>
               </p:ext>
             </p:extLst>
           </p:nvPr>
         </p:nvGraphicFramePr>
         <p:xfrm>
-          <a:off x="9403536" y="8585413"/>
-          <a:ext cx="2239477" cy="1310640"/>
+          <a:off x="9491710" y="8608224"/>
+          <a:ext cx="2154938" cy="1310640"/>
         </p:xfrm>
         <a:graphic>
           <a:graphicData uri="http://schemas.openxmlformats.org/drawingml/2006/table">
@@ -5657,7 +5657,7 @@
                 <a:tableStyleId>{5C22544A-7EE6-4342-B048-85BDC9FD1C3A}</a:tableStyleId>
               </a:tblPr>
               <a:tblGrid>
-                <a:gridCol w="2239477">
+                <a:gridCol w="2154938">
                   <a:extLst>
                     <a:ext uri="{9D8B030D-6E8A-4147-A177-3AD203B41FA5}">
                       <a16:colId xmlns:a16="http://schemas.microsoft.com/office/drawing/2014/main" val="20000"/>
@@ -5913,8 +5913,8 @@
         </p:nvCxnSpPr>
         <p:spPr>
           <a:xfrm flipV="1">
-            <a:off x="1608528" y="7329278"/>
-            <a:ext cx="2970726" cy="1256135"/>
+            <a:off x="1695599" y="7329278"/>
+            <a:ext cx="2890931" cy="1256135"/>
           </a:xfrm>
           <a:prstGeom prst="straightConnector1">
             <a:avLst/>
@@ -5960,8 +5960,8 @@
         </p:nvCxnSpPr>
         <p:spPr>
           <a:xfrm flipH="1" flipV="1">
-            <a:off x="4579254" y="7329278"/>
-            <a:ext cx="8023" cy="1287383"/>
+            <a:off x="4586530" y="7329278"/>
+            <a:ext cx="747" cy="1278946"/>
           </a:xfrm>
           <a:prstGeom prst="straightConnector1">
             <a:avLst/>
@@ -6007,8 +6007,8 @@
         </p:nvCxnSpPr>
         <p:spPr>
           <a:xfrm flipH="1">
-            <a:off x="5638795" y="6125318"/>
-            <a:ext cx="3854461" cy="0"/>
+            <a:off x="5658275" y="6125318"/>
+            <a:ext cx="3834981" cy="0"/>
           </a:xfrm>
           <a:prstGeom prst="straightConnector1">
             <a:avLst/>
@@ -6054,8 +6054,8 @@
         </p:nvCxnSpPr>
         <p:spPr>
           <a:xfrm flipV="1">
-            <a:off x="4579254" y="3388667"/>
-            <a:ext cx="1927230" cy="1532691"/>
+            <a:off x="4586530" y="3388667"/>
+            <a:ext cx="1919954" cy="1532691"/>
           </a:xfrm>
           <a:prstGeom prst="straightConnector1">
             <a:avLst/>
@@ -6102,7 +6102,7 @@
         <p:spPr>
           <a:xfrm flipH="1" flipV="1">
             <a:off x="8649972" y="3388667"/>
-            <a:ext cx="1902825" cy="1807011"/>
+            <a:ext cx="1920753" cy="1807011"/>
           </a:xfrm>
           <a:prstGeom prst="straightConnector1">
             <a:avLst/>
@@ -6649,14 +6649,14 @@
           <p:nvPr>
             <p:extLst>
               <p:ext uri="{D42A27DB-BD31-4B8C-83A1-F6EECF244321}">
-                <p14:modId xmlns:p14="http://schemas.microsoft.com/office/powerpoint/2010/main" val="54809002"/>
+                <p14:modId xmlns:p14="http://schemas.microsoft.com/office/powerpoint/2010/main" val="1448853814"/>
               </p:ext>
             </p:extLst>
           </p:nvPr>
         </p:nvGraphicFramePr>
         <p:xfrm>
-          <a:off x="1400631" y="2321867"/>
-          <a:ext cx="2119082" cy="2133600"/>
+          <a:off x="1370147" y="2316827"/>
+          <a:ext cx="2138914" cy="2133600"/>
         </p:xfrm>
         <a:graphic>
           <a:graphicData uri="http://schemas.openxmlformats.org/drawingml/2006/table">
@@ -6665,7 +6665,7 @@
                 <a:tableStyleId>{5C22544A-7EE6-4342-B048-85BDC9FD1C3A}</a:tableStyleId>
               </a:tblPr>
               <a:tblGrid>
-                <a:gridCol w="2119082">
+                <a:gridCol w="2138914">
                   <a:extLst>
                     <a:ext uri="{9D8B030D-6E8A-4147-A177-3AD203B41FA5}">
                       <a16:colId xmlns:a16="http://schemas.microsoft.com/office/drawing/2014/main" val="20000"/>
@@ -6778,7 +6778,7 @@
                           <a:latin typeface="ＭＳ ゴシック" panose="020B0609070205080204" pitchFamily="49" charset="-128"/>
                           <a:ea typeface="ＭＳ ゴシック" panose="020B0609070205080204" pitchFamily="49" charset="-128"/>
                         </a:rPr>
-                        <a:t>ID</a:t>
+                        <a:t>ID(PK)</a:t>
                       </a:r>
                     </a:p>
                     <a:p>
@@ -6998,8 +6998,8 @@
         </p:nvCxnSpPr>
         <p:spPr>
           <a:xfrm>
-            <a:off x="3519713" y="3388667"/>
-            <a:ext cx="2986771" cy="0"/>
+            <a:off x="3509061" y="3383627"/>
+            <a:ext cx="2997423" cy="5040"/>
           </a:xfrm>
           <a:prstGeom prst="line">
             <a:avLst/>
@@ -7035,7 +7035,7 @@
         </p:nvSpPr>
         <p:spPr>
           <a:xfrm>
-            <a:off x="6096000" y="2986494"/>
+            <a:off x="6119810" y="3014295"/>
             <a:ext cx="715016" cy="369332"/>
           </a:xfrm>
           <a:prstGeom prst="rect">
@@ -7071,7 +7071,7 @@
         </p:nvSpPr>
         <p:spPr>
           <a:xfrm>
-            <a:off x="3533974" y="3026645"/>
+            <a:off x="3577740" y="3006262"/>
             <a:ext cx="715016" cy="369332"/>
           </a:xfrm>
           <a:prstGeom prst="rect">

--- a/20_設計/22_データベース設計/概念データモデル.pptx
+++ b/20_設計/22_データベース設計/概念データモデル.pptx
@@ -243,7 +243,7 @@
           <a:p>
             <a:fld id="{671059BB-3F16-4E26-85EA-CCCF91169BF5}" type="datetimeFigureOut">
               <a:rPr kumimoji="1" lang="ja-JP" altLang="en-US" smtClean="0"/>
-              <a:t>2023/5/16</a:t>
+              <a:t>2023/5/22</a:t>
             </a:fld>
             <a:endParaRPr kumimoji="1" lang="ja-JP" altLang="en-US"/>
           </a:p>
@@ -445,7 +445,7 @@
           <a:p>
             <a:fld id="{671059BB-3F16-4E26-85EA-CCCF91169BF5}" type="datetimeFigureOut">
               <a:rPr kumimoji="1" lang="ja-JP" altLang="en-US" smtClean="0"/>
-              <a:t>2023/5/16</a:t>
+              <a:t>2023/5/22</a:t>
             </a:fld>
             <a:endParaRPr kumimoji="1" lang="ja-JP" altLang="en-US"/>
           </a:p>
@@ -657,7 +657,7 @@
           <a:p>
             <a:fld id="{671059BB-3F16-4E26-85EA-CCCF91169BF5}" type="datetimeFigureOut">
               <a:rPr kumimoji="1" lang="ja-JP" altLang="en-US" smtClean="0"/>
-              <a:t>2023/5/16</a:t>
+              <a:t>2023/5/22</a:t>
             </a:fld>
             <a:endParaRPr kumimoji="1" lang="ja-JP" altLang="en-US"/>
           </a:p>
@@ -859,7 +859,7 @@
           <a:p>
             <a:fld id="{671059BB-3F16-4E26-85EA-CCCF91169BF5}" type="datetimeFigureOut">
               <a:rPr kumimoji="1" lang="ja-JP" altLang="en-US" smtClean="0"/>
-              <a:t>2023/5/16</a:t>
+              <a:t>2023/5/22</a:t>
             </a:fld>
             <a:endParaRPr kumimoji="1" lang="ja-JP" altLang="en-US"/>
           </a:p>
@@ -1103,7 +1103,7 @@
           <a:p>
             <a:fld id="{671059BB-3F16-4E26-85EA-CCCF91169BF5}" type="datetimeFigureOut">
               <a:rPr kumimoji="1" lang="ja-JP" altLang="en-US" smtClean="0"/>
-              <a:t>2023/5/16</a:t>
+              <a:t>2023/5/22</a:t>
             </a:fld>
             <a:endParaRPr kumimoji="1" lang="ja-JP" altLang="en-US"/>
           </a:p>
@@ -1399,7 +1399,7 @@
           <a:p>
             <a:fld id="{671059BB-3F16-4E26-85EA-CCCF91169BF5}" type="datetimeFigureOut">
               <a:rPr kumimoji="1" lang="ja-JP" altLang="en-US" smtClean="0"/>
-              <a:t>2023/5/16</a:t>
+              <a:t>2023/5/22</a:t>
             </a:fld>
             <a:endParaRPr kumimoji="1" lang="ja-JP" altLang="en-US"/>
           </a:p>
@@ -1830,7 +1830,7 @@
           <a:p>
             <a:fld id="{671059BB-3F16-4E26-85EA-CCCF91169BF5}" type="datetimeFigureOut">
               <a:rPr kumimoji="1" lang="ja-JP" altLang="en-US" smtClean="0"/>
-              <a:t>2023/5/16</a:t>
+              <a:t>2023/5/22</a:t>
             </a:fld>
             <a:endParaRPr kumimoji="1" lang="ja-JP" altLang="en-US"/>
           </a:p>
@@ -1948,7 +1948,7 @@
           <a:p>
             <a:fld id="{671059BB-3F16-4E26-85EA-CCCF91169BF5}" type="datetimeFigureOut">
               <a:rPr kumimoji="1" lang="ja-JP" altLang="en-US" smtClean="0"/>
-              <a:t>2023/5/16</a:t>
+              <a:t>2023/5/22</a:t>
             </a:fld>
             <a:endParaRPr kumimoji="1" lang="ja-JP" altLang="en-US"/>
           </a:p>
@@ -2043,7 +2043,7 @@
           <a:p>
             <a:fld id="{671059BB-3F16-4E26-85EA-CCCF91169BF5}" type="datetimeFigureOut">
               <a:rPr kumimoji="1" lang="ja-JP" altLang="en-US" smtClean="0"/>
-              <a:t>2023/5/16</a:t>
+              <a:t>2023/5/22</a:t>
             </a:fld>
             <a:endParaRPr kumimoji="1" lang="ja-JP" altLang="en-US"/>
           </a:p>
@@ -2352,7 +2352,7 @@
           <a:p>
             <a:fld id="{671059BB-3F16-4E26-85EA-CCCF91169BF5}" type="datetimeFigureOut">
               <a:rPr kumimoji="1" lang="ja-JP" altLang="en-US" smtClean="0"/>
-              <a:t>2023/5/16</a:t>
+              <a:t>2023/5/22</a:t>
             </a:fld>
             <a:endParaRPr kumimoji="1" lang="ja-JP" altLang="en-US"/>
           </a:p>
@@ -2609,7 +2609,7 @@
           <a:p>
             <a:fld id="{671059BB-3F16-4E26-85EA-CCCF91169BF5}" type="datetimeFigureOut">
               <a:rPr kumimoji="1" lang="ja-JP" altLang="en-US" smtClean="0"/>
-              <a:t>2023/5/16</a:t>
+              <a:t>2023/5/22</a:t>
             </a:fld>
             <a:endParaRPr kumimoji="1" lang="ja-JP" altLang="en-US"/>
           </a:p>
@@ -2854,7 +2854,7 @@
           <a:p>
             <a:fld id="{671059BB-3F16-4E26-85EA-CCCF91169BF5}" type="datetimeFigureOut">
               <a:rPr kumimoji="1" lang="ja-JP" altLang="en-US" smtClean="0"/>
-              <a:t>2023/5/16</a:t>
+              <a:t>2023/5/22</a:t>
             </a:fld>
             <a:endParaRPr kumimoji="1" lang="ja-JP" altLang="en-US"/>
           </a:p>
@@ -3683,100 +3683,6 @@
           </a:graphicData>
         </a:graphic>
       </p:graphicFrame>
-      <p:cxnSp>
-        <p:nvCxnSpPr>
-          <p:cNvPr id="8" name="直線矢印コネクタ 7">
-            <a:extLst>
-              <a:ext uri="{FF2B5EF4-FFF2-40B4-BE49-F238E27FC236}">
-                <a16:creationId xmlns:a16="http://schemas.microsoft.com/office/drawing/2014/main" id="{9754354B-2BFD-2636-7210-9521D487C08B}"/>
-              </a:ext>
-            </a:extLst>
-          </p:cNvPr>
-          <p:cNvCxnSpPr>
-            <a:cxnSpLocks/>
-            <a:stCxn id="9" idx="0"/>
-            <a:endCxn id="3" idx="2"/>
-          </p:cNvCxnSpPr>
-          <p:nvPr/>
-        </p:nvCxnSpPr>
-        <p:spPr>
-          <a:xfrm flipV="1">
-            <a:off x="7578228" y="7054958"/>
-            <a:ext cx="2992497" cy="1553266"/>
-          </a:xfrm>
-          <a:prstGeom prst="straightConnector1">
-            <a:avLst/>
-          </a:prstGeom>
-          <a:ln w="38100" cmpd="sng">
-            <a:solidFill>
-              <a:schemeClr val="tx1"/>
-            </a:solidFill>
-            <a:headEnd type="arrow" w="lg" len="lg"/>
-            <a:tailEnd type="none" w="lg" len="lg"/>
-          </a:ln>
-        </p:spPr>
-        <p:style>
-          <a:lnRef idx="1">
-            <a:schemeClr val="accent1"/>
-          </a:lnRef>
-          <a:fillRef idx="0">
-            <a:schemeClr val="accent1"/>
-          </a:fillRef>
-          <a:effectRef idx="0">
-            <a:schemeClr val="accent1"/>
-          </a:effectRef>
-          <a:fontRef idx="minor">
-            <a:schemeClr val="tx1"/>
-          </a:fontRef>
-        </p:style>
-      </p:cxnSp>
-      <p:cxnSp>
-        <p:nvCxnSpPr>
-          <p:cNvPr id="11" name="直線矢印コネクタ 10">
-            <a:extLst>
-              <a:ext uri="{FF2B5EF4-FFF2-40B4-BE49-F238E27FC236}">
-                <a16:creationId xmlns:a16="http://schemas.microsoft.com/office/drawing/2014/main" id="{2DE1F14E-8DDA-3521-E84B-2BD3FE3C7F18}"/>
-              </a:ext>
-            </a:extLst>
-          </p:cNvPr>
-          <p:cNvCxnSpPr>
-            <a:cxnSpLocks/>
-            <a:stCxn id="15" idx="0"/>
-            <a:endCxn id="3" idx="2"/>
-          </p:cNvCxnSpPr>
-          <p:nvPr/>
-        </p:nvCxnSpPr>
-        <p:spPr>
-          <a:xfrm flipV="1">
-            <a:off x="10569179" y="7054958"/>
-            <a:ext cx="1546" cy="1553266"/>
-          </a:xfrm>
-          <a:prstGeom prst="straightConnector1">
-            <a:avLst/>
-          </a:prstGeom>
-          <a:ln w="38100" cmpd="sng">
-            <a:solidFill>
-              <a:schemeClr val="tx1"/>
-            </a:solidFill>
-            <a:headEnd type="arrow" w="lg" len="lg"/>
-            <a:tailEnd type="none" w="lg" len="lg"/>
-          </a:ln>
-        </p:spPr>
-        <p:style>
-          <a:lnRef idx="1">
-            <a:schemeClr val="accent1"/>
-          </a:lnRef>
-          <a:fillRef idx="0">
-            <a:schemeClr val="accent1"/>
-          </a:fillRef>
-          <a:effectRef idx="0">
-            <a:schemeClr val="accent1"/>
-          </a:effectRef>
-          <a:fontRef idx="minor">
-            <a:schemeClr val="tx1"/>
-          </a:fontRef>
-        </p:style>
-      </p:cxnSp>
       <p:graphicFrame>
         <p:nvGraphicFramePr>
           <p:cNvPr id="2" name="表 1">
@@ -5895,100 +5801,6 @@
           </a:graphicData>
         </a:graphic>
       </p:graphicFrame>
-      <p:cxnSp>
-        <p:nvCxnSpPr>
-          <p:cNvPr id="19" name="直線矢印コネクタ 18">
-            <a:extLst>
-              <a:ext uri="{FF2B5EF4-FFF2-40B4-BE49-F238E27FC236}">
-                <a16:creationId xmlns:a16="http://schemas.microsoft.com/office/drawing/2014/main" id="{1F74E721-66FF-9D4F-EF29-D032F707A883}"/>
-              </a:ext>
-            </a:extLst>
-          </p:cNvPr>
-          <p:cNvCxnSpPr>
-            <a:cxnSpLocks/>
-            <a:stCxn id="10" idx="0"/>
-            <a:endCxn id="2" idx="2"/>
-          </p:cNvCxnSpPr>
-          <p:nvPr/>
-        </p:nvCxnSpPr>
-        <p:spPr>
-          <a:xfrm flipV="1">
-            <a:off x="1695599" y="7329278"/>
-            <a:ext cx="2890931" cy="1256135"/>
-          </a:xfrm>
-          <a:prstGeom prst="straightConnector1">
-            <a:avLst/>
-          </a:prstGeom>
-          <a:ln w="38100" cmpd="sng">
-            <a:solidFill>
-              <a:schemeClr val="tx1"/>
-            </a:solidFill>
-            <a:headEnd type="arrow" w="lg" len="lg"/>
-            <a:tailEnd type="none" w="lg" len="lg"/>
-          </a:ln>
-        </p:spPr>
-        <p:style>
-          <a:lnRef idx="1">
-            <a:schemeClr val="accent1"/>
-          </a:lnRef>
-          <a:fillRef idx="0">
-            <a:schemeClr val="accent1"/>
-          </a:fillRef>
-          <a:effectRef idx="0">
-            <a:schemeClr val="accent1"/>
-          </a:effectRef>
-          <a:fontRef idx="minor">
-            <a:schemeClr val="tx1"/>
-          </a:fontRef>
-        </p:style>
-      </p:cxnSp>
-      <p:cxnSp>
-        <p:nvCxnSpPr>
-          <p:cNvPr id="24" name="直線矢印コネクタ 23">
-            <a:extLst>
-              <a:ext uri="{FF2B5EF4-FFF2-40B4-BE49-F238E27FC236}">
-                <a16:creationId xmlns:a16="http://schemas.microsoft.com/office/drawing/2014/main" id="{9AE05BA7-F241-EF82-787D-114A350C6B37}"/>
-              </a:ext>
-            </a:extLst>
-          </p:cNvPr>
-          <p:cNvCxnSpPr>
-            <a:cxnSpLocks/>
-            <a:stCxn id="14" idx="0"/>
-            <a:endCxn id="2" idx="2"/>
-          </p:cNvCxnSpPr>
-          <p:nvPr/>
-        </p:nvCxnSpPr>
-        <p:spPr>
-          <a:xfrm flipH="1" flipV="1">
-            <a:off x="4586530" y="7329278"/>
-            <a:ext cx="747" cy="1278946"/>
-          </a:xfrm>
-          <a:prstGeom prst="straightConnector1">
-            <a:avLst/>
-          </a:prstGeom>
-          <a:ln w="38100" cmpd="sng">
-            <a:solidFill>
-              <a:schemeClr val="tx1"/>
-            </a:solidFill>
-            <a:headEnd type="arrow" w="lg" len="lg"/>
-            <a:tailEnd type="none" w="lg" len="lg"/>
-          </a:ln>
-        </p:spPr>
-        <p:style>
-          <a:lnRef idx="1">
-            <a:schemeClr val="accent1"/>
-          </a:lnRef>
-          <a:fillRef idx="0">
-            <a:schemeClr val="accent1"/>
-          </a:fillRef>
-          <a:effectRef idx="0">
-            <a:schemeClr val="accent1"/>
-          </a:effectRef>
-          <a:fontRef idx="minor">
-            <a:schemeClr val="tx1"/>
-          </a:fontRef>
-        </p:style>
-      </p:cxnSp>
       <p:cxnSp>
         <p:nvCxnSpPr>
           <p:cNvPr id="62" name="直線矢印コネクタ 61">
@@ -6268,7 +6080,7 @@
           <a:p>
             <a:r>
               <a:rPr kumimoji="1" lang="en-US" altLang="ja-JP" dirty="0"/>
-              <a:t>0..*</a:t>
+              <a:t>0..1</a:t>
             </a:r>
             <a:endParaRPr kumimoji="1" lang="ja-JP" altLang="en-US" dirty="0"/>
           </a:p>
@@ -6304,7 +6116,7 @@
           <a:p>
             <a:r>
               <a:rPr kumimoji="1" lang="en-US" altLang="ja-JP" dirty="0"/>
-              <a:t>0..*</a:t>
+              <a:t>0..1</a:t>
             </a:r>
             <a:endParaRPr kumimoji="1" lang="ja-JP" altLang="en-US" dirty="0"/>
           </a:p>
@@ -6448,7 +6260,7 @@
           <a:p>
             <a:r>
               <a:rPr kumimoji="1" lang="en-US" altLang="ja-JP" dirty="0"/>
-              <a:t>0..*</a:t>
+              <a:t>0..1</a:t>
             </a:r>
             <a:endParaRPr kumimoji="1" lang="ja-JP" altLang="en-US" dirty="0"/>
           </a:p>
@@ -6484,7 +6296,7 @@
           <a:p>
             <a:r>
               <a:rPr kumimoji="1" lang="en-US" altLang="ja-JP" dirty="0"/>
-              <a:t>0..*</a:t>
+              <a:t>0..1</a:t>
             </a:r>
             <a:endParaRPr kumimoji="1" lang="ja-JP" altLang="en-US" dirty="0"/>
           </a:p>
@@ -7093,6 +6905,170 @@
           </a:p>
         </p:txBody>
       </p:sp>
+      <p:cxnSp>
+        <p:nvCxnSpPr>
+          <p:cNvPr id="5" name="直線コネクタ 4">
+            <a:extLst>
+              <a:ext uri="{FF2B5EF4-FFF2-40B4-BE49-F238E27FC236}">
+                <a16:creationId xmlns:a16="http://schemas.microsoft.com/office/drawing/2014/main" id="{CE46587E-CA28-4B03-D14D-31F45C55C6F3}"/>
+              </a:ext>
+            </a:extLst>
+          </p:cNvPr>
+          <p:cNvCxnSpPr>
+            <a:cxnSpLocks/>
+            <a:stCxn id="2" idx="2"/>
+            <a:endCxn id="10" idx="0"/>
+          </p:cNvCxnSpPr>
+          <p:nvPr/>
+        </p:nvCxnSpPr>
+        <p:spPr>
+          <a:xfrm flipH="1">
+            <a:off x="1695599" y="7329278"/>
+            <a:ext cx="2890931" cy="1256135"/>
+          </a:xfrm>
+          <a:prstGeom prst="line">
+            <a:avLst/>
+          </a:prstGeom>
+          <a:ln w="28575"/>
+        </p:spPr>
+        <p:style>
+          <a:lnRef idx="1">
+            <a:schemeClr val="dk1"/>
+          </a:lnRef>
+          <a:fillRef idx="0">
+            <a:schemeClr val="dk1"/>
+          </a:fillRef>
+          <a:effectRef idx="0">
+            <a:schemeClr val="dk1"/>
+          </a:effectRef>
+          <a:fontRef idx="minor">
+            <a:schemeClr val="tx1"/>
+          </a:fontRef>
+        </p:style>
+      </p:cxnSp>
+      <p:cxnSp>
+        <p:nvCxnSpPr>
+          <p:cNvPr id="17" name="直線コネクタ 16">
+            <a:extLst>
+              <a:ext uri="{FF2B5EF4-FFF2-40B4-BE49-F238E27FC236}">
+                <a16:creationId xmlns:a16="http://schemas.microsoft.com/office/drawing/2014/main" id="{9F08311B-42F7-2A79-35C0-0D98C8FA68BF}"/>
+              </a:ext>
+            </a:extLst>
+          </p:cNvPr>
+          <p:cNvCxnSpPr>
+            <a:cxnSpLocks/>
+            <a:stCxn id="2" idx="2"/>
+            <a:endCxn id="14" idx="0"/>
+          </p:cNvCxnSpPr>
+          <p:nvPr/>
+        </p:nvCxnSpPr>
+        <p:spPr>
+          <a:xfrm>
+            <a:off x="4586530" y="7329278"/>
+            <a:ext cx="747" cy="1278946"/>
+          </a:xfrm>
+          <a:prstGeom prst="line">
+            <a:avLst/>
+          </a:prstGeom>
+          <a:ln w="28575"/>
+        </p:spPr>
+        <p:style>
+          <a:lnRef idx="1">
+            <a:schemeClr val="dk1"/>
+          </a:lnRef>
+          <a:fillRef idx="0">
+            <a:schemeClr val="dk1"/>
+          </a:fillRef>
+          <a:effectRef idx="0">
+            <a:schemeClr val="dk1"/>
+          </a:effectRef>
+          <a:fontRef idx="minor">
+            <a:schemeClr val="tx1"/>
+          </a:fontRef>
+        </p:style>
+      </p:cxnSp>
+      <p:cxnSp>
+        <p:nvCxnSpPr>
+          <p:cNvPr id="22" name="直線コネクタ 21">
+            <a:extLst>
+              <a:ext uri="{FF2B5EF4-FFF2-40B4-BE49-F238E27FC236}">
+                <a16:creationId xmlns:a16="http://schemas.microsoft.com/office/drawing/2014/main" id="{99B16D48-B171-C8BD-ED8B-8290B0D30222}"/>
+              </a:ext>
+            </a:extLst>
+          </p:cNvPr>
+          <p:cNvCxnSpPr>
+            <a:cxnSpLocks/>
+            <a:stCxn id="3" idx="2"/>
+            <a:endCxn id="15" idx="0"/>
+          </p:cNvCxnSpPr>
+          <p:nvPr/>
+        </p:nvCxnSpPr>
+        <p:spPr>
+          <a:xfrm flipH="1">
+            <a:off x="10569179" y="7054958"/>
+            <a:ext cx="1546" cy="1553266"/>
+          </a:xfrm>
+          <a:prstGeom prst="line">
+            <a:avLst/>
+          </a:prstGeom>
+          <a:ln w="28575"/>
+        </p:spPr>
+        <p:style>
+          <a:lnRef idx="1">
+            <a:schemeClr val="dk1"/>
+          </a:lnRef>
+          <a:fillRef idx="0">
+            <a:schemeClr val="dk1"/>
+          </a:fillRef>
+          <a:effectRef idx="0">
+            <a:schemeClr val="dk1"/>
+          </a:effectRef>
+          <a:fontRef idx="minor">
+            <a:schemeClr val="tx1"/>
+          </a:fontRef>
+        </p:style>
+      </p:cxnSp>
+      <p:cxnSp>
+        <p:nvCxnSpPr>
+          <p:cNvPr id="26" name="直線コネクタ 25">
+            <a:extLst>
+              <a:ext uri="{FF2B5EF4-FFF2-40B4-BE49-F238E27FC236}">
+                <a16:creationId xmlns:a16="http://schemas.microsoft.com/office/drawing/2014/main" id="{64D743BB-87D5-9CF8-26D3-97F4702E6B49}"/>
+              </a:ext>
+            </a:extLst>
+          </p:cNvPr>
+          <p:cNvCxnSpPr>
+            <a:cxnSpLocks/>
+            <a:stCxn id="3" idx="2"/>
+            <a:endCxn id="9" idx="0"/>
+          </p:cNvCxnSpPr>
+          <p:nvPr/>
+        </p:nvCxnSpPr>
+        <p:spPr>
+          <a:xfrm flipH="1">
+            <a:off x="7578228" y="7054958"/>
+            <a:ext cx="2992497" cy="1553266"/>
+          </a:xfrm>
+          <a:prstGeom prst="line">
+            <a:avLst/>
+          </a:prstGeom>
+          <a:ln w="28575"/>
+        </p:spPr>
+        <p:style>
+          <a:lnRef idx="1">
+            <a:schemeClr val="dk1"/>
+          </a:lnRef>
+          <a:fillRef idx="0">
+            <a:schemeClr val="dk1"/>
+          </a:fillRef>
+          <a:effectRef idx="0">
+            <a:schemeClr val="dk1"/>
+          </a:effectRef>
+          <a:fontRef idx="minor">
+            <a:schemeClr val="tx1"/>
+          </a:fontRef>
+        </p:style>
+      </p:cxnSp>
     </p:spTree>
     <p:extLst>
       <p:ext uri="{BB962C8B-B14F-4D97-AF65-F5344CB8AC3E}">

--- a/20_設計/22_データベース設計/概念データモデル.pptx
+++ b/20_設計/22_データベース設計/概念データモデル.pptx
@@ -243,7 +243,7 @@
           <a:p>
             <a:fld id="{671059BB-3F16-4E26-85EA-CCCF91169BF5}" type="datetimeFigureOut">
               <a:rPr kumimoji="1" lang="ja-JP" altLang="en-US" smtClean="0"/>
-              <a:t>2023/5/22</a:t>
+              <a:t>2023/5/23</a:t>
             </a:fld>
             <a:endParaRPr kumimoji="1" lang="ja-JP" altLang="en-US"/>
           </a:p>
@@ -445,7 +445,7 @@
           <a:p>
             <a:fld id="{671059BB-3F16-4E26-85EA-CCCF91169BF5}" type="datetimeFigureOut">
               <a:rPr kumimoji="1" lang="ja-JP" altLang="en-US" smtClean="0"/>
-              <a:t>2023/5/22</a:t>
+              <a:t>2023/5/23</a:t>
             </a:fld>
             <a:endParaRPr kumimoji="1" lang="ja-JP" altLang="en-US"/>
           </a:p>
@@ -657,7 +657,7 @@
           <a:p>
             <a:fld id="{671059BB-3F16-4E26-85EA-CCCF91169BF5}" type="datetimeFigureOut">
               <a:rPr kumimoji="1" lang="ja-JP" altLang="en-US" smtClean="0"/>
-              <a:t>2023/5/22</a:t>
+              <a:t>2023/5/23</a:t>
             </a:fld>
             <a:endParaRPr kumimoji="1" lang="ja-JP" altLang="en-US"/>
           </a:p>
@@ -859,7 +859,7 @@
           <a:p>
             <a:fld id="{671059BB-3F16-4E26-85EA-CCCF91169BF5}" type="datetimeFigureOut">
               <a:rPr kumimoji="1" lang="ja-JP" altLang="en-US" smtClean="0"/>
-              <a:t>2023/5/22</a:t>
+              <a:t>2023/5/23</a:t>
             </a:fld>
             <a:endParaRPr kumimoji="1" lang="ja-JP" altLang="en-US"/>
           </a:p>
@@ -1103,7 +1103,7 @@
           <a:p>
             <a:fld id="{671059BB-3F16-4E26-85EA-CCCF91169BF5}" type="datetimeFigureOut">
               <a:rPr kumimoji="1" lang="ja-JP" altLang="en-US" smtClean="0"/>
-              <a:t>2023/5/22</a:t>
+              <a:t>2023/5/23</a:t>
             </a:fld>
             <a:endParaRPr kumimoji="1" lang="ja-JP" altLang="en-US"/>
           </a:p>
@@ -1399,7 +1399,7 @@
           <a:p>
             <a:fld id="{671059BB-3F16-4E26-85EA-CCCF91169BF5}" type="datetimeFigureOut">
               <a:rPr kumimoji="1" lang="ja-JP" altLang="en-US" smtClean="0"/>
-              <a:t>2023/5/22</a:t>
+              <a:t>2023/5/23</a:t>
             </a:fld>
             <a:endParaRPr kumimoji="1" lang="ja-JP" altLang="en-US"/>
           </a:p>
@@ -1830,7 +1830,7 @@
           <a:p>
             <a:fld id="{671059BB-3F16-4E26-85EA-CCCF91169BF5}" type="datetimeFigureOut">
               <a:rPr kumimoji="1" lang="ja-JP" altLang="en-US" smtClean="0"/>
-              <a:t>2023/5/22</a:t>
+              <a:t>2023/5/23</a:t>
             </a:fld>
             <a:endParaRPr kumimoji="1" lang="ja-JP" altLang="en-US"/>
           </a:p>
@@ -1948,7 +1948,7 @@
           <a:p>
             <a:fld id="{671059BB-3F16-4E26-85EA-CCCF91169BF5}" type="datetimeFigureOut">
               <a:rPr kumimoji="1" lang="ja-JP" altLang="en-US" smtClean="0"/>
-              <a:t>2023/5/22</a:t>
+              <a:t>2023/5/23</a:t>
             </a:fld>
             <a:endParaRPr kumimoji="1" lang="ja-JP" altLang="en-US"/>
           </a:p>
@@ -2043,7 +2043,7 @@
           <a:p>
             <a:fld id="{671059BB-3F16-4E26-85EA-CCCF91169BF5}" type="datetimeFigureOut">
               <a:rPr kumimoji="1" lang="ja-JP" altLang="en-US" smtClean="0"/>
-              <a:t>2023/5/22</a:t>
+              <a:t>2023/5/23</a:t>
             </a:fld>
             <a:endParaRPr kumimoji="1" lang="ja-JP" altLang="en-US"/>
           </a:p>
@@ -2352,7 +2352,7 @@
           <a:p>
             <a:fld id="{671059BB-3F16-4E26-85EA-CCCF91169BF5}" type="datetimeFigureOut">
               <a:rPr kumimoji="1" lang="ja-JP" altLang="en-US" smtClean="0"/>
-              <a:t>2023/5/22</a:t>
+              <a:t>2023/5/23</a:t>
             </a:fld>
             <a:endParaRPr kumimoji="1" lang="ja-JP" altLang="en-US"/>
           </a:p>
@@ -2609,7 +2609,7 @@
           <a:p>
             <a:fld id="{671059BB-3F16-4E26-85EA-CCCF91169BF5}" type="datetimeFigureOut">
               <a:rPr kumimoji="1" lang="ja-JP" altLang="en-US" smtClean="0"/>
-              <a:t>2023/5/22</a:t>
+              <a:t>2023/5/23</a:t>
             </a:fld>
             <a:endParaRPr kumimoji="1" lang="ja-JP" altLang="en-US"/>
           </a:p>
@@ -2854,7 +2854,7 @@
           <a:p>
             <a:fld id="{671059BB-3F16-4E26-85EA-CCCF91169BF5}" type="datetimeFigureOut">
               <a:rPr kumimoji="1" lang="ja-JP" altLang="en-US" smtClean="0"/>
-              <a:t>2023/5/22</a:t>
+              <a:t>2023/5/23</a:t>
             </a:fld>
             <a:endParaRPr kumimoji="1" lang="ja-JP" altLang="en-US"/>
           </a:p>
@@ -3274,14 +3274,14 @@
           <p:nvPr>
             <p:extLst>
               <p:ext uri="{D42A27DB-BD31-4B8C-83A1-F6EECF244321}">
-                <p14:modId xmlns:p14="http://schemas.microsoft.com/office/powerpoint/2010/main" val="2768391740"/>
+                <p14:modId xmlns:p14="http://schemas.microsoft.com/office/powerpoint/2010/main" val="3580573309"/>
               </p:ext>
             </p:extLst>
           </p:nvPr>
         </p:nvGraphicFramePr>
         <p:xfrm>
-          <a:off x="6506484" y="1717347"/>
-          <a:ext cx="2143488" cy="3342640"/>
+          <a:off x="6520783" y="1559907"/>
+          <a:ext cx="2143488" cy="3647440"/>
         </p:xfrm>
         <a:graphic>
           <a:graphicData uri="http://schemas.openxmlformats.org/drawingml/2006/table">
@@ -3404,6 +3404,40 @@
                           <a:ea typeface="ＭＳ ゴシック" panose="020B0609070205080204" pitchFamily="49" charset="-128"/>
                         </a:rPr>
                         <a:t>ID(PK)</a:t>
+                      </a:r>
+                    </a:p>
+                    <a:p>
+                      <a:r>
+                        <a:rPr lang="ja-JP" altLang="en-US" sz="2000" dirty="0">
+                          <a:effectLst/>
+                          <a:latin typeface="ＭＳ ゴシック" panose="020B0609070205080204" pitchFamily="49" charset="-128"/>
+                          <a:ea typeface="ＭＳ ゴシック" panose="020B0609070205080204" pitchFamily="49" charset="-128"/>
+                        </a:rPr>
+                        <a:t> </a:t>
+                      </a:r>
+                      <a:r>
+                        <a:rPr lang="en-US" altLang="ja-JP" sz="2000" dirty="0">
+                          <a:effectLst/>
+                          <a:latin typeface="ＭＳ ゴシック" panose="020B0609070205080204" pitchFamily="49" charset="-128"/>
+                          <a:ea typeface="ＭＳ ゴシック" panose="020B0609070205080204" pitchFamily="49" charset="-128"/>
+                        </a:rPr>
+                        <a:t>*</a:t>
+                      </a:r>
+                      <a:r>
+                        <a:rPr lang="ja-JP" altLang="en-US" sz="2000" dirty="0">
+                          <a:effectLst/>
+                          <a:latin typeface="ＭＳ ゴシック" panose="020B0609070205080204" pitchFamily="49" charset="-128"/>
+                          <a:ea typeface="ＭＳ ゴシック" panose="020B0609070205080204" pitchFamily="49" charset="-128"/>
+                        </a:rPr>
+                        <a:t> ログイン</a:t>
+                      </a:r>
+                      <a:r>
+                        <a:rPr lang="en-US" altLang="ja-JP" sz="2000" dirty="0">
+                          <a:effectLst/>
+                          <a:latin typeface="ＭＳ ゴシック" panose="020B0609070205080204" pitchFamily="49" charset="-128"/>
+                          <a:ea typeface="ＭＳ ゴシック" panose="020B0609070205080204" pitchFamily="49" charset="-128"/>
+                        </a:rPr>
+                        <a:t>ID</a:t>
                       </a:r>
                       <a:br>
                         <a:rPr lang="en-US" altLang="ja-JP" sz="2000" dirty="0">
@@ -5866,8 +5900,8 @@
         </p:nvCxnSpPr>
         <p:spPr>
           <a:xfrm flipV="1">
-            <a:off x="4586530" y="3388667"/>
-            <a:ext cx="1919954" cy="1532691"/>
+            <a:off x="4586530" y="3383627"/>
+            <a:ext cx="1934253" cy="1537731"/>
           </a:xfrm>
           <a:prstGeom prst="straightConnector1">
             <a:avLst/>
@@ -5913,8 +5947,8 @@
         </p:nvCxnSpPr>
         <p:spPr>
           <a:xfrm flipH="1" flipV="1">
-            <a:off x="8649972" y="3388667"/>
-            <a:ext cx="1920753" cy="1807011"/>
+            <a:off x="8664271" y="3383627"/>
+            <a:ext cx="1906454" cy="1812051"/>
           </a:xfrm>
           <a:prstGeom prst="straightConnector1">
             <a:avLst/>
@@ -6811,7 +6845,7 @@
         <p:spPr>
           <a:xfrm>
             <a:off x="3509061" y="3383627"/>
-            <a:ext cx="2997423" cy="5040"/>
+            <a:ext cx="3011722" cy="0"/>
           </a:xfrm>
           <a:prstGeom prst="line">
             <a:avLst/>

--- a/20_設計/22_データベース設計/概念データモデル.pptx
+++ b/20_設計/22_データベース設計/概念データモデル.pptx
@@ -243,7 +243,7 @@
           <a:p>
             <a:fld id="{671059BB-3F16-4E26-85EA-CCCF91169BF5}" type="datetimeFigureOut">
               <a:rPr kumimoji="1" lang="ja-JP" altLang="en-US" smtClean="0"/>
-              <a:t>2023/5/23</a:t>
+              <a:t>2023/5/29</a:t>
             </a:fld>
             <a:endParaRPr kumimoji="1" lang="ja-JP" altLang="en-US"/>
           </a:p>
@@ -445,7 +445,7 @@
           <a:p>
             <a:fld id="{671059BB-3F16-4E26-85EA-CCCF91169BF5}" type="datetimeFigureOut">
               <a:rPr kumimoji="1" lang="ja-JP" altLang="en-US" smtClean="0"/>
-              <a:t>2023/5/23</a:t>
+              <a:t>2023/5/29</a:t>
             </a:fld>
             <a:endParaRPr kumimoji="1" lang="ja-JP" altLang="en-US"/>
           </a:p>
@@ -657,7 +657,7 @@
           <a:p>
             <a:fld id="{671059BB-3F16-4E26-85EA-CCCF91169BF5}" type="datetimeFigureOut">
               <a:rPr kumimoji="1" lang="ja-JP" altLang="en-US" smtClean="0"/>
-              <a:t>2023/5/23</a:t>
+              <a:t>2023/5/29</a:t>
             </a:fld>
             <a:endParaRPr kumimoji="1" lang="ja-JP" altLang="en-US"/>
           </a:p>
@@ -859,7 +859,7 @@
           <a:p>
             <a:fld id="{671059BB-3F16-4E26-85EA-CCCF91169BF5}" type="datetimeFigureOut">
               <a:rPr kumimoji="1" lang="ja-JP" altLang="en-US" smtClean="0"/>
-              <a:t>2023/5/23</a:t>
+              <a:t>2023/5/29</a:t>
             </a:fld>
             <a:endParaRPr kumimoji="1" lang="ja-JP" altLang="en-US"/>
           </a:p>
@@ -1103,7 +1103,7 @@
           <a:p>
             <a:fld id="{671059BB-3F16-4E26-85EA-CCCF91169BF5}" type="datetimeFigureOut">
               <a:rPr kumimoji="1" lang="ja-JP" altLang="en-US" smtClean="0"/>
-              <a:t>2023/5/23</a:t>
+              <a:t>2023/5/29</a:t>
             </a:fld>
             <a:endParaRPr kumimoji="1" lang="ja-JP" altLang="en-US"/>
           </a:p>
@@ -1399,7 +1399,7 @@
           <a:p>
             <a:fld id="{671059BB-3F16-4E26-85EA-CCCF91169BF5}" type="datetimeFigureOut">
               <a:rPr kumimoji="1" lang="ja-JP" altLang="en-US" smtClean="0"/>
-              <a:t>2023/5/23</a:t>
+              <a:t>2023/5/29</a:t>
             </a:fld>
             <a:endParaRPr kumimoji="1" lang="ja-JP" altLang="en-US"/>
           </a:p>
@@ -1830,7 +1830,7 @@
           <a:p>
             <a:fld id="{671059BB-3F16-4E26-85EA-CCCF91169BF5}" type="datetimeFigureOut">
               <a:rPr kumimoji="1" lang="ja-JP" altLang="en-US" smtClean="0"/>
-              <a:t>2023/5/23</a:t>
+              <a:t>2023/5/29</a:t>
             </a:fld>
             <a:endParaRPr kumimoji="1" lang="ja-JP" altLang="en-US"/>
           </a:p>
@@ -1948,7 +1948,7 @@
           <a:p>
             <a:fld id="{671059BB-3F16-4E26-85EA-CCCF91169BF5}" type="datetimeFigureOut">
               <a:rPr kumimoji="1" lang="ja-JP" altLang="en-US" smtClean="0"/>
-              <a:t>2023/5/23</a:t>
+              <a:t>2023/5/29</a:t>
             </a:fld>
             <a:endParaRPr kumimoji="1" lang="ja-JP" altLang="en-US"/>
           </a:p>
@@ -2043,7 +2043,7 @@
           <a:p>
             <a:fld id="{671059BB-3F16-4E26-85EA-CCCF91169BF5}" type="datetimeFigureOut">
               <a:rPr kumimoji="1" lang="ja-JP" altLang="en-US" smtClean="0"/>
-              <a:t>2023/5/23</a:t>
+              <a:t>2023/5/29</a:t>
             </a:fld>
             <a:endParaRPr kumimoji="1" lang="ja-JP" altLang="en-US"/>
           </a:p>
@@ -2352,7 +2352,7 @@
           <a:p>
             <a:fld id="{671059BB-3F16-4E26-85EA-CCCF91169BF5}" type="datetimeFigureOut">
               <a:rPr kumimoji="1" lang="ja-JP" altLang="en-US" smtClean="0"/>
-              <a:t>2023/5/23</a:t>
+              <a:t>2023/5/29</a:t>
             </a:fld>
             <a:endParaRPr kumimoji="1" lang="ja-JP" altLang="en-US"/>
           </a:p>
@@ -2609,7 +2609,7 @@
           <a:p>
             <a:fld id="{671059BB-3F16-4E26-85EA-CCCF91169BF5}" type="datetimeFigureOut">
               <a:rPr kumimoji="1" lang="ja-JP" altLang="en-US" smtClean="0"/>
-              <a:t>2023/5/23</a:t>
+              <a:t>2023/5/29</a:t>
             </a:fld>
             <a:endParaRPr kumimoji="1" lang="ja-JP" altLang="en-US"/>
           </a:p>
@@ -2854,7 +2854,7 @@
           <a:p>
             <a:fld id="{671059BB-3F16-4E26-85EA-CCCF91169BF5}" type="datetimeFigureOut">
               <a:rPr kumimoji="1" lang="ja-JP" altLang="en-US" smtClean="0"/>
-              <a:t>2023/5/23</a:t>
+              <a:t>2023/5/29</a:t>
             </a:fld>
             <a:endParaRPr kumimoji="1" lang="ja-JP" altLang="en-US"/>
           </a:p>
@@ -3274,14 +3274,14 @@
           <p:nvPr>
             <p:extLst>
               <p:ext uri="{D42A27DB-BD31-4B8C-83A1-F6EECF244321}">
-                <p14:modId xmlns:p14="http://schemas.microsoft.com/office/powerpoint/2010/main" val="3580573309"/>
+                <p14:modId xmlns:p14="http://schemas.microsoft.com/office/powerpoint/2010/main" val="1863512353"/>
               </p:ext>
             </p:extLst>
           </p:nvPr>
         </p:nvGraphicFramePr>
         <p:xfrm>
-          <a:off x="6520783" y="1559907"/>
-          <a:ext cx="2143488" cy="3647440"/>
+          <a:off x="6510664" y="1704274"/>
+          <a:ext cx="2143488" cy="3342640"/>
         </p:xfrm>
         <a:graphic>
           <a:graphicData uri="http://schemas.openxmlformats.org/drawingml/2006/table">
@@ -3637,32 +3637,6 @@
                         <a:latin typeface="ＭＳ ゴシック" panose="020B0609070205080204" pitchFamily="49" charset="-128"/>
                         <a:ea typeface="ＭＳ ゴシック" panose="020B0609070205080204" pitchFamily="49" charset="-128"/>
                       </a:endParaRPr>
-                    </a:p>
-                    <a:p>
-                      <a:r>
-                        <a:rPr lang="en-US" altLang="ja-JP" sz="2000" dirty="0">
-                          <a:effectLst/>
-                          <a:latin typeface="ＭＳ ゴシック" panose="020B0609070205080204" pitchFamily="49" charset="-128"/>
-                          <a:ea typeface="ＭＳ ゴシック" panose="020B0609070205080204" pitchFamily="49" charset="-128"/>
-                        </a:rPr>
-                        <a:t> * </a:t>
-                      </a:r>
-                      <a:r>
-                        <a:rPr lang="ja-JP" altLang="en-US" sz="2000" dirty="0">
-                          <a:effectLst/>
-                          <a:latin typeface="ＭＳ ゴシック" panose="020B0609070205080204" pitchFamily="49" charset="-128"/>
-                          <a:ea typeface="ＭＳ ゴシック" panose="020B0609070205080204" pitchFamily="49" charset="-128"/>
-                        </a:rPr>
-                        <a:t>評価</a:t>
-                      </a:r>
-                      <a:r>
-                        <a:rPr lang="en-US" altLang="ja-JP" sz="2000" dirty="0">
-                          <a:effectLst/>
-                          <a:latin typeface="ＭＳ ゴシック" panose="020B0609070205080204" pitchFamily="49" charset="-128"/>
-                          <a:ea typeface="ＭＳ ゴシック" panose="020B0609070205080204" pitchFamily="49" charset="-128"/>
-                        </a:rPr>
-                        <a:t>ID(FK)</a:t>
-                      </a:r>
                     </a:p>
                   </a:txBody>
                   <a:tcPr marL="101600" marR="101600" marT="101600" marB="101600" anchor="ctr">
@@ -5900,8 +5874,8 @@
         </p:nvCxnSpPr>
         <p:spPr>
           <a:xfrm flipV="1">
-            <a:off x="4586530" y="3383627"/>
-            <a:ext cx="1934253" cy="1537731"/>
+            <a:off x="4586530" y="3375594"/>
+            <a:ext cx="1924134" cy="1545764"/>
           </a:xfrm>
           <a:prstGeom prst="straightConnector1">
             <a:avLst/>
@@ -5947,8 +5921,8 @@
         </p:nvCxnSpPr>
         <p:spPr>
           <a:xfrm flipH="1" flipV="1">
-            <a:off x="8664271" y="3383627"/>
-            <a:ext cx="1906454" cy="1812051"/>
+            <a:off x="8654152" y="3375594"/>
+            <a:ext cx="1916573" cy="1820084"/>
           </a:xfrm>
           <a:prstGeom prst="straightConnector1">
             <a:avLst/>
@@ -6495,14 +6469,14 @@
           <p:nvPr>
             <p:extLst>
               <p:ext uri="{D42A27DB-BD31-4B8C-83A1-F6EECF244321}">
-                <p14:modId xmlns:p14="http://schemas.microsoft.com/office/powerpoint/2010/main" val="1448853814"/>
+                <p14:modId xmlns:p14="http://schemas.microsoft.com/office/powerpoint/2010/main" val="3942295976"/>
               </p:ext>
             </p:extLst>
           </p:nvPr>
         </p:nvGraphicFramePr>
         <p:xfrm>
-          <a:off x="1370147" y="2316827"/>
-          <a:ext cx="2138914" cy="2133600"/>
+          <a:off x="1373585" y="2179667"/>
+          <a:ext cx="2138914" cy="2407920"/>
         </p:xfrm>
         <a:graphic>
           <a:graphicData uri="http://schemas.openxmlformats.org/drawingml/2006/table">
@@ -6625,6 +6599,40 @@
                           <a:ea typeface="ＭＳ ゴシック" panose="020B0609070205080204" pitchFamily="49" charset="-128"/>
                         </a:rPr>
                         <a:t>ID(PK)</a:t>
+                      </a:r>
+                    </a:p>
+                    <a:p>
+                      <a:r>
+                        <a:rPr lang="ja-JP" altLang="en-US" sz="1800" dirty="0">
+                          <a:effectLst/>
+                          <a:latin typeface="ＭＳ ゴシック" panose="020B0609070205080204" pitchFamily="49" charset="-128"/>
+                          <a:ea typeface="ＭＳ ゴシック" panose="020B0609070205080204" pitchFamily="49" charset="-128"/>
+                        </a:rPr>
+                        <a:t> </a:t>
+                      </a:r>
+                      <a:r>
+                        <a:rPr lang="en-US" altLang="ja-JP" sz="1800" dirty="0">
+                          <a:effectLst/>
+                          <a:latin typeface="ＭＳ ゴシック" panose="020B0609070205080204" pitchFamily="49" charset="-128"/>
+                          <a:ea typeface="ＭＳ ゴシック" panose="020B0609070205080204" pitchFamily="49" charset="-128"/>
+                        </a:rPr>
+                        <a:t>* </a:t>
+                      </a:r>
+                      <a:r>
+                        <a:rPr lang="ja-JP" altLang="en-US" sz="1800" dirty="0">
+                          <a:effectLst/>
+                          <a:latin typeface="ＭＳ ゴシック" panose="020B0609070205080204" pitchFamily="49" charset="-128"/>
+                          <a:ea typeface="ＭＳ ゴシック" panose="020B0609070205080204" pitchFamily="49" charset="-128"/>
+                        </a:rPr>
+                        <a:t>ユーザー</a:t>
+                      </a:r>
+                      <a:r>
+                        <a:rPr lang="en-US" altLang="ja-JP" sz="1800" dirty="0">
+                          <a:effectLst/>
+                          <a:latin typeface="ＭＳ ゴシック" panose="020B0609070205080204" pitchFamily="49" charset="-128"/>
+                          <a:ea typeface="ＭＳ ゴシック" panose="020B0609070205080204" pitchFamily="49" charset="-128"/>
+                        </a:rPr>
+                        <a:t>ID(FK)</a:t>
                       </a:r>
                     </a:p>
                     <a:p>
@@ -6843,9 +6851,9 @@
           <p:nvPr/>
         </p:nvCxnSpPr>
         <p:spPr>
-          <a:xfrm>
-            <a:off x="3509061" y="3383627"/>
-            <a:ext cx="3011722" cy="0"/>
+          <a:xfrm flipV="1">
+            <a:off x="3512499" y="3375594"/>
+            <a:ext cx="2998165" cy="8033"/>
           </a:xfrm>
           <a:prstGeom prst="line">
             <a:avLst/>
